--- a/Section02/2.3-DAPandExcel.pptx
+++ b/Section02/2.3-DAPandExcel.pptx
@@ -1,6 +1,6 @@
 
 <file path=ppt/presentation.xml><?xml version="1.0" encoding="utf-8"?>
-<p:presentation xmlns:a="http://schemas.openxmlformats.org/drawingml/2006/main" xmlns:r="http://schemas.openxmlformats.org/officeDocument/2006/relationships" xmlns:p="http://schemas.openxmlformats.org/presentationml/2006/main" strictFirstAndLastChars="0" embedTrueTypeFonts="1" saveSubsetFonts="1" autoCompressPictures="0">
+<p:presentation xmlns:a="http://schemas.openxmlformats.org/drawingml/2006/main" xmlns:r="http://schemas.openxmlformats.org/officeDocument/2006/relationships" xmlns:p="http://schemas.openxmlformats.org/presentationml/2006/main" showSpecialPlsOnTitleSld="0" strictFirstAndLastChars="0" embedTrueTypeFonts="1" saveSubsetFonts="1" autoCompressPictures="0">
   <p:sldMasterIdLst>
     <p:sldMasterId id="2147483660" r:id="rId1"/>
   </p:sldMasterIdLst>
@@ -38,7 +38,7 @@
     <p:sldId id="296" r:id="rId29"/>
   </p:sldIdLst>
   <p:sldSz cx="12192000" cy="6858000"/>
-  <p:notesSz cx="6858000" cy="9144000"/>
+  <p:notesSz cx="7315200" cy="9601200"/>
   <p:embeddedFontLst>
     <p:embeddedFont>
       <p:font typeface="Bookman Old Style" panose="02050604050505020204" pitchFamily="18" charset="0"/>
@@ -303,7 +303,7 @@
       <p15:sldGuideLst xmlns:p15="http://schemas.microsoft.com/office/powerpoint/2012/main"/>
     </p:ext>
     <p:ext uri="http://customooxmlschemas.google.com/">
-      <go:slidesCustomData xmlns:go="http://customooxmlschemas.google.com/" xmlns:ahyp="http://schemas.microsoft.com/office/drawing/2018/hyperlinkcolor" xmlns:p15="http://schemas.microsoft.com/office/powerpoint/2012/main" xmlns:p14="http://schemas.microsoft.com/office/powerpoint/2010/main" xmlns:com="http://schemas.openxmlformats.org/drawingml/2006/compatibility" xmlns:pvml="urn:schemas-microsoft-com:office:powerpoint" xmlns:v="urn:schemas-microsoft-com:vml" xmlns:o="urn:schemas-microsoft-com:office:office" xmlns:dgm="http://schemas.openxmlformats.org/drawingml/2006/diagram" xmlns:c="http://schemas.openxmlformats.org/drawingml/2006/chart" xmlns:mv="urn:schemas-microsoft-com:mac:vml" xmlns:mc="http://schemas.openxmlformats.org/markup-compatibility/2006" xmlns="" r:id="rId63" roundtripDataSignature="AMtx7mibhW5gNs+yuMwXsrTAHjBGwJpiUg=="/>
+      <go:slidesCustomData xmlns="" xmlns:mc="http://schemas.openxmlformats.org/markup-compatibility/2006" xmlns:mv="urn:schemas-microsoft-com:mac:vml" xmlns:c="http://schemas.openxmlformats.org/drawingml/2006/chart" xmlns:dgm="http://schemas.openxmlformats.org/drawingml/2006/diagram" xmlns:o="urn:schemas-microsoft-com:office:office" xmlns:v="urn:schemas-microsoft-com:vml" xmlns:pvml="urn:schemas-microsoft-com:office:powerpoint" xmlns:com="http://schemas.openxmlformats.org/drawingml/2006/compatibility" xmlns:p14="http://schemas.microsoft.com/office/powerpoint/2010/main" xmlns:p15="http://schemas.microsoft.com/office/powerpoint/2012/main" xmlns:ahyp="http://schemas.microsoft.com/office/drawing/2018/hyperlinkcolor" xmlns:go="http://customooxmlschemas.google.com/" r:id="rId63" roundtripDataSignature="AMtx7mibhW5gNs+yuMwXsrTAHjBGwJpiUg=="/>
     </p:ext>
   </p:extLst>
 </p:presentation>
@@ -343,8 +343,8 @@
         </p:nvSpPr>
         <p:spPr>
           <a:xfrm>
-            <a:off x="1143225" y="685800"/>
-            <a:ext cx="4572225" cy="3429000"/>
+            <a:off x="457200" y="720725"/>
+            <a:ext cx="6400800" cy="3600450"/>
           </a:xfrm>
           <a:custGeom>
             <a:avLst/>
@@ -394,8 +394,8 @@
         </p:nvSpPr>
         <p:spPr>
           <a:xfrm>
-            <a:off x="685800" y="4343400"/>
-            <a:ext cx="5486400" cy="4114800"/>
+            <a:off x="731520" y="4560570"/>
+            <a:ext cx="5852160" cy="4320540"/>
           </a:xfrm>
           <a:prstGeom prst="rect">
             <a:avLst/>
@@ -406,7 +406,7 @@
           </a:ln>
         </p:spPr>
         <p:txBody>
-          <a:bodyPr spcFirstLastPara="1" wrap="square" lIns="91425" tIns="91425" rIns="91425" bIns="91425" anchor="t" anchorCtr="0">
+          <a:bodyPr spcFirstLastPara="1" wrap="square" lIns="96645" tIns="96645" rIns="96645" bIns="96645" anchor="t" anchorCtr="0">
             <a:noAutofit/>
           </a:bodyPr>
           <a:lstStyle>
@@ -779,26 +779,20 @@
         </p:nvSpPr>
         <p:spPr>
           <a:xfrm>
-            <a:off x="685800" y="4343400"/>
-            <a:ext cx="5486400" cy="4114800"/>
+            <a:off x="731520" y="4560570"/>
+            <a:ext cx="5852160" cy="4320540"/>
           </a:xfrm>
           <a:prstGeom prst="rect">
             <a:avLst/>
           </a:prstGeom>
         </p:spPr>
         <p:txBody>
-          <a:bodyPr spcFirstLastPara="1" wrap="square" lIns="91425" tIns="91425" rIns="91425" bIns="91425" anchor="t" anchorCtr="0">
+          <a:bodyPr spcFirstLastPara="1" wrap="square" lIns="96645" tIns="96645" rIns="96645" bIns="96645" anchor="t" anchorCtr="0">
             <a:noAutofit/>
           </a:bodyPr>
           <a:lstStyle/>
           <a:p>
-            <a:pPr marL="0" lvl="0" indent="0" algn="l" rtl="0">
-              <a:spcBef>
-                <a:spcPts val="0"/>
-              </a:spcBef>
-              <a:spcAft>
-                <a:spcPts val="0"/>
-              </a:spcAft>
+            <a:pPr marL="0" indent="0">
               <a:buNone/>
             </a:pPr>
             <a:endParaRPr/>
@@ -817,8 +811,8 @@
         </p:nvSpPr>
         <p:spPr>
           <a:xfrm>
-            <a:off x="381000" y="685800"/>
-            <a:ext cx="6096000" cy="3429000"/>
+            <a:off x="457200" y="720725"/>
+            <a:ext cx="6400800" cy="3600450"/>
           </a:xfrm>
           <a:custGeom>
             <a:avLst/>
@@ -883,26 +877,20 @@
         </p:nvSpPr>
         <p:spPr>
           <a:xfrm>
-            <a:off x="685800" y="4343400"/>
-            <a:ext cx="5486400" cy="4114800"/>
+            <a:off x="731520" y="4560570"/>
+            <a:ext cx="5852160" cy="4320540"/>
           </a:xfrm>
           <a:prstGeom prst="rect">
             <a:avLst/>
           </a:prstGeom>
         </p:spPr>
         <p:txBody>
-          <a:bodyPr spcFirstLastPara="1" wrap="square" lIns="91425" tIns="91425" rIns="91425" bIns="91425" anchor="t" anchorCtr="0">
+          <a:bodyPr spcFirstLastPara="1" wrap="square" lIns="96645" tIns="96645" rIns="96645" bIns="96645" anchor="t" anchorCtr="0">
             <a:noAutofit/>
           </a:bodyPr>
           <a:lstStyle/>
           <a:p>
-            <a:pPr marL="0" lvl="0" indent="0" algn="l" rtl="0">
-              <a:spcBef>
-                <a:spcPts val="0"/>
-              </a:spcBef>
-              <a:spcAft>
-                <a:spcPts val="0"/>
-              </a:spcAft>
+            <a:pPr marL="0" indent="0">
               <a:buNone/>
             </a:pPr>
             <a:endParaRPr/>
@@ -921,8 +909,8 @@
         </p:nvSpPr>
         <p:spPr>
           <a:xfrm>
-            <a:off x="381000" y="685800"/>
-            <a:ext cx="6096000" cy="3429000"/>
+            <a:off x="457200" y="720725"/>
+            <a:ext cx="6400800" cy="3600450"/>
           </a:xfrm>
           <a:custGeom>
             <a:avLst/>
@@ -987,26 +975,20 @@
         </p:nvSpPr>
         <p:spPr>
           <a:xfrm>
-            <a:off x="685800" y="4343400"/>
-            <a:ext cx="5486400" cy="4114800"/>
+            <a:off x="731520" y="4560570"/>
+            <a:ext cx="5852160" cy="4320540"/>
           </a:xfrm>
           <a:prstGeom prst="rect">
             <a:avLst/>
           </a:prstGeom>
         </p:spPr>
         <p:txBody>
-          <a:bodyPr spcFirstLastPara="1" wrap="square" lIns="91425" tIns="91425" rIns="91425" bIns="91425" anchor="t" anchorCtr="0">
+          <a:bodyPr spcFirstLastPara="1" wrap="square" lIns="96645" tIns="96645" rIns="96645" bIns="96645" anchor="t" anchorCtr="0">
             <a:noAutofit/>
           </a:bodyPr>
           <a:lstStyle/>
           <a:p>
-            <a:pPr marL="0" lvl="0" indent="0" algn="l" rtl="0">
-              <a:spcBef>
-                <a:spcPts val="0"/>
-              </a:spcBef>
-              <a:spcAft>
-                <a:spcPts val="0"/>
-              </a:spcAft>
+            <a:pPr marL="0" indent="0">
               <a:buNone/>
             </a:pPr>
             <a:endParaRPr/>
@@ -1025,8 +1007,8 @@
         </p:nvSpPr>
         <p:spPr>
           <a:xfrm>
-            <a:off x="381000" y="685800"/>
-            <a:ext cx="6096000" cy="3429000"/>
+            <a:off x="457200" y="720725"/>
+            <a:ext cx="6400800" cy="3600450"/>
           </a:xfrm>
           <a:custGeom>
             <a:avLst/>
@@ -1091,26 +1073,20 @@
         </p:nvSpPr>
         <p:spPr>
           <a:xfrm>
-            <a:off x="685800" y="4343400"/>
-            <a:ext cx="5486400" cy="4114800"/>
+            <a:off x="731520" y="4560570"/>
+            <a:ext cx="5852160" cy="4320540"/>
           </a:xfrm>
           <a:prstGeom prst="rect">
             <a:avLst/>
           </a:prstGeom>
         </p:spPr>
         <p:txBody>
-          <a:bodyPr spcFirstLastPara="1" wrap="square" lIns="91425" tIns="91425" rIns="91425" bIns="91425" anchor="t" anchorCtr="0">
+          <a:bodyPr spcFirstLastPara="1" wrap="square" lIns="96645" tIns="96645" rIns="96645" bIns="96645" anchor="t" anchorCtr="0">
             <a:noAutofit/>
           </a:bodyPr>
           <a:lstStyle/>
           <a:p>
-            <a:pPr marL="0" lvl="0" indent="0" algn="l" rtl="0">
-              <a:spcBef>
-                <a:spcPts val="0"/>
-              </a:spcBef>
-              <a:spcAft>
-                <a:spcPts val="0"/>
-              </a:spcAft>
+            <a:pPr marL="0" indent="0">
               <a:buNone/>
             </a:pPr>
             <a:endParaRPr/>
@@ -1129,8 +1105,8 @@
         </p:nvSpPr>
         <p:spPr>
           <a:xfrm>
-            <a:off x="381000" y="685800"/>
-            <a:ext cx="6096000" cy="3429000"/>
+            <a:off x="457200" y="720725"/>
+            <a:ext cx="6400800" cy="3600450"/>
           </a:xfrm>
           <a:custGeom>
             <a:avLst/>
@@ -1195,26 +1171,20 @@
         </p:nvSpPr>
         <p:spPr>
           <a:xfrm>
-            <a:off x="685800" y="4343400"/>
-            <a:ext cx="5486400" cy="4114800"/>
+            <a:off x="731520" y="4560570"/>
+            <a:ext cx="5852160" cy="4320540"/>
           </a:xfrm>
           <a:prstGeom prst="rect">
             <a:avLst/>
           </a:prstGeom>
         </p:spPr>
         <p:txBody>
-          <a:bodyPr spcFirstLastPara="1" wrap="square" lIns="91425" tIns="91425" rIns="91425" bIns="91425" anchor="t" anchorCtr="0">
+          <a:bodyPr spcFirstLastPara="1" wrap="square" lIns="96645" tIns="96645" rIns="96645" bIns="96645" anchor="t" anchorCtr="0">
             <a:noAutofit/>
           </a:bodyPr>
           <a:lstStyle/>
           <a:p>
-            <a:pPr marL="0" lvl="0" indent="0" algn="l" rtl="0">
-              <a:spcBef>
-                <a:spcPts val="0"/>
-              </a:spcBef>
-              <a:spcAft>
-                <a:spcPts val="0"/>
-              </a:spcAft>
+            <a:pPr marL="0" indent="0">
               <a:buNone/>
             </a:pPr>
             <a:endParaRPr/>
@@ -1233,8 +1203,8 @@
         </p:nvSpPr>
         <p:spPr>
           <a:xfrm>
-            <a:off x="381000" y="685800"/>
-            <a:ext cx="6096000" cy="3429000"/>
+            <a:off x="457200" y="720725"/>
+            <a:ext cx="6400800" cy="3600450"/>
           </a:xfrm>
           <a:custGeom>
             <a:avLst/>
@@ -1299,26 +1269,20 @@
         </p:nvSpPr>
         <p:spPr>
           <a:xfrm>
-            <a:off x="685800" y="4343400"/>
-            <a:ext cx="5486400" cy="4114800"/>
+            <a:off x="731520" y="4560570"/>
+            <a:ext cx="5852160" cy="4320540"/>
           </a:xfrm>
           <a:prstGeom prst="rect">
             <a:avLst/>
           </a:prstGeom>
         </p:spPr>
         <p:txBody>
-          <a:bodyPr spcFirstLastPara="1" wrap="square" lIns="91425" tIns="91425" rIns="91425" bIns="91425" anchor="t" anchorCtr="0">
+          <a:bodyPr spcFirstLastPara="1" wrap="square" lIns="96645" tIns="96645" rIns="96645" bIns="96645" anchor="t" anchorCtr="0">
             <a:noAutofit/>
           </a:bodyPr>
           <a:lstStyle/>
           <a:p>
-            <a:pPr marL="0" lvl="0" indent="0" algn="l" rtl="0">
-              <a:spcBef>
-                <a:spcPts val="0"/>
-              </a:spcBef>
-              <a:spcAft>
-                <a:spcPts val="0"/>
-              </a:spcAft>
+            <a:pPr marL="0" indent="0">
               <a:buNone/>
             </a:pPr>
             <a:endParaRPr/>
@@ -1337,8 +1301,8 @@
         </p:nvSpPr>
         <p:spPr>
           <a:xfrm>
-            <a:off x="381000" y="685800"/>
-            <a:ext cx="6096000" cy="3429000"/>
+            <a:off x="457200" y="720725"/>
+            <a:ext cx="6400800" cy="3600450"/>
           </a:xfrm>
           <a:custGeom>
             <a:avLst/>
@@ -1403,26 +1367,20 @@
         </p:nvSpPr>
         <p:spPr>
           <a:xfrm>
-            <a:off x="685800" y="4343400"/>
-            <a:ext cx="5486400" cy="4114800"/>
+            <a:off x="731520" y="4560570"/>
+            <a:ext cx="5852160" cy="4320540"/>
           </a:xfrm>
           <a:prstGeom prst="rect">
             <a:avLst/>
           </a:prstGeom>
         </p:spPr>
         <p:txBody>
-          <a:bodyPr spcFirstLastPara="1" wrap="square" lIns="91425" tIns="91425" rIns="91425" bIns="91425" anchor="t" anchorCtr="0">
+          <a:bodyPr spcFirstLastPara="1" wrap="square" lIns="96645" tIns="96645" rIns="96645" bIns="96645" anchor="t" anchorCtr="0">
             <a:noAutofit/>
           </a:bodyPr>
           <a:lstStyle/>
           <a:p>
-            <a:pPr marL="0" lvl="0" indent="0" algn="l" rtl="0">
-              <a:spcBef>
-                <a:spcPts val="0"/>
-              </a:spcBef>
-              <a:spcAft>
-                <a:spcPts val="0"/>
-              </a:spcAft>
+            <a:pPr marL="0" indent="0">
               <a:buNone/>
             </a:pPr>
             <a:endParaRPr/>
@@ -1441,8 +1399,8 @@
         </p:nvSpPr>
         <p:spPr>
           <a:xfrm>
-            <a:off x="381000" y="685800"/>
-            <a:ext cx="6096000" cy="3429000"/>
+            <a:off x="457200" y="720725"/>
+            <a:ext cx="6400800" cy="3600450"/>
           </a:xfrm>
           <a:custGeom>
             <a:avLst/>
@@ -1507,26 +1465,20 @@
         </p:nvSpPr>
         <p:spPr>
           <a:xfrm>
-            <a:off x="685800" y="4343400"/>
-            <a:ext cx="5486400" cy="4114800"/>
+            <a:off x="731520" y="4560570"/>
+            <a:ext cx="5852160" cy="4320540"/>
           </a:xfrm>
           <a:prstGeom prst="rect">
             <a:avLst/>
           </a:prstGeom>
         </p:spPr>
         <p:txBody>
-          <a:bodyPr spcFirstLastPara="1" wrap="square" lIns="91425" tIns="91425" rIns="91425" bIns="91425" anchor="t" anchorCtr="0">
+          <a:bodyPr spcFirstLastPara="1" wrap="square" lIns="96645" tIns="96645" rIns="96645" bIns="96645" anchor="t" anchorCtr="0">
             <a:noAutofit/>
           </a:bodyPr>
           <a:lstStyle/>
           <a:p>
-            <a:pPr marL="0" lvl="0" indent="0" algn="l" rtl="0">
-              <a:spcBef>
-                <a:spcPts val="0"/>
-              </a:spcBef>
-              <a:spcAft>
-                <a:spcPts val="0"/>
-              </a:spcAft>
+            <a:pPr marL="0" indent="0">
               <a:buNone/>
             </a:pPr>
             <a:endParaRPr/>
@@ -1545,8 +1497,8 @@
         </p:nvSpPr>
         <p:spPr>
           <a:xfrm>
-            <a:off x="381000" y="685800"/>
-            <a:ext cx="6096000" cy="3429000"/>
+            <a:off x="457200" y="720725"/>
+            <a:ext cx="6400800" cy="3600450"/>
           </a:xfrm>
           <a:custGeom>
             <a:avLst/>
@@ -1611,26 +1563,20 @@
         </p:nvSpPr>
         <p:spPr>
           <a:xfrm>
-            <a:off x="685800" y="4343400"/>
-            <a:ext cx="5486400" cy="4114800"/>
+            <a:off x="731520" y="4560570"/>
+            <a:ext cx="5852160" cy="4320540"/>
           </a:xfrm>
           <a:prstGeom prst="rect">
             <a:avLst/>
           </a:prstGeom>
         </p:spPr>
         <p:txBody>
-          <a:bodyPr spcFirstLastPara="1" wrap="square" lIns="91425" tIns="91425" rIns="91425" bIns="91425" anchor="t" anchorCtr="0">
+          <a:bodyPr spcFirstLastPara="1" wrap="square" lIns="96645" tIns="96645" rIns="96645" bIns="96645" anchor="t" anchorCtr="0">
             <a:noAutofit/>
           </a:bodyPr>
           <a:lstStyle/>
           <a:p>
-            <a:pPr marL="0" lvl="0" indent="0" algn="l" rtl="0">
-              <a:spcBef>
-                <a:spcPts val="0"/>
-              </a:spcBef>
-              <a:spcAft>
-                <a:spcPts val="0"/>
-              </a:spcAft>
+            <a:pPr marL="0" indent="0">
               <a:buNone/>
             </a:pPr>
             <a:endParaRPr/>
@@ -1649,8 +1595,8 @@
         </p:nvSpPr>
         <p:spPr>
           <a:xfrm>
-            <a:off x="381000" y="685800"/>
-            <a:ext cx="6096000" cy="3429000"/>
+            <a:off x="457200" y="720725"/>
+            <a:ext cx="6400800" cy="3600450"/>
           </a:xfrm>
           <a:custGeom>
             <a:avLst/>
@@ -1715,26 +1661,20 @@
         </p:nvSpPr>
         <p:spPr>
           <a:xfrm>
-            <a:off x="685800" y="4343400"/>
-            <a:ext cx="5486400" cy="4114800"/>
+            <a:off x="731520" y="4560570"/>
+            <a:ext cx="5852160" cy="4320540"/>
           </a:xfrm>
           <a:prstGeom prst="rect">
             <a:avLst/>
           </a:prstGeom>
         </p:spPr>
         <p:txBody>
-          <a:bodyPr spcFirstLastPara="1" wrap="square" lIns="91425" tIns="91425" rIns="91425" bIns="91425" anchor="t" anchorCtr="0">
+          <a:bodyPr spcFirstLastPara="1" wrap="square" lIns="96645" tIns="96645" rIns="96645" bIns="96645" anchor="t" anchorCtr="0">
             <a:noAutofit/>
           </a:bodyPr>
           <a:lstStyle/>
           <a:p>
-            <a:pPr marL="0" lvl="0" indent="0" algn="l" rtl="0">
-              <a:spcBef>
-                <a:spcPts val="0"/>
-              </a:spcBef>
-              <a:spcAft>
-                <a:spcPts val="0"/>
-              </a:spcAft>
+            <a:pPr marL="0" indent="0">
               <a:buNone/>
             </a:pPr>
             <a:endParaRPr/>
@@ -1753,8 +1693,8 @@
         </p:nvSpPr>
         <p:spPr>
           <a:xfrm>
-            <a:off x="381000" y="685800"/>
-            <a:ext cx="6096000" cy="3429000"/>
+            <a:off x="457200" y="720725"/>
+            <a:ext cx="6400800" cy="3600450"/>
           </a:xfrm>
           <a:custGeom>
             <a:avLst/>
@@ -1819,26 +1759,20 @@
         </p:nvSpPr>
         <p:spPr>
           <a:xfrm>
-            <a:off x="685800" y="4343400"/>
-            <a:ext cx="5486400" cy="4114800"/>
+            <a:off x="731520" y="4560570"/>
+            <a:ext cx="5852160" cy="4320540"/>
           </a:xfrm>
           <a:prstGeom prst="rect">
             <a:avLst/>
           </a:prstGeom>
         </p:spPr>
         <p:txBody>
-          <a:bodyPr spcFirstLastPara="1" wrap="square" lIns="91425" tIns="91425" rIns="91425" bIns="91425" anchor="t" anchorCtr="0">
+          <a:bodyPr spcFirstLastPara="1" wrap="square" lIns="96645" tIns="96645" rIns="96645" bIns="96645" anchor="t" anchorCtr="0">
             <a:noAutofit/>
           </a:bodyPr>
           <a:lstStyle/>
           <a:p>
-            <a:pPr marL="0" lvl="0" indent="0" algn="l" rtl="0">
-              <a:spcBef>
-                <a:spcPts val="0"/>
-              </a:spcBef>
-              <a:spcAft>
-                <a:spcPts val="0"/>
-              </a:spcAft>
+            <a:pPr marL="0" indent="0">
               <a:buNone/>
             </a:pPr>
             <a:endParaRPr/>
@@ -1857,8 +1791,8 @@
         </p:nvSpPr>
         <p:spPr>
           <a:xfrm>
-            <a:off x="381000" y="685800"/>
-            <a:ext cx="6096000" cy="3429000"/>
+            <a:off x="457200" y="720725"/>
+            <a:ext cx="6400800" cy="3600450"/>
           </a:xfrm>
           <a:custGeom>
             <a:avLst/>
@@ -1923,26 +1857,20 @@
         </p:nvSpPr>
         <p:spPr>
           <a:xfrm>
-            <a:off x="685800" y="4343400"/>
-            <a:ext cx="5486400" cy="4114800"/>
+            <a:off x="731520" y="4560570"/>
+            <a:ext cx="5852160" cy="4320540"/>
           </a:xfrm>
           <a:prstGeom prst="rect">
             <a:avLst/>
           </a:prstGeom>
         </p:spPr>
         <p:txBody>
-          <a:bodyPr spcFirstLastPara="1" wrap="square" lIns="91425" tIns="91425" rIns="91425" bIns="91425" anchor="t" anchorCtr="0">
+          <a:bodyPr spcFirstLastPara="1" wrap="square" lIns="96645" tIns="96645" rIns="96645" bIns="96645" anchor="t" anchorCtr="0">
             <a:noAutofit/>
           </a:bodyPr>
           <a:lstStyle/>
           <a:p>
-            <a:pPr marL="0" lvl="0" indent="0" algn="l" rtl="0">
-              <a:spcBef>
-                <a:spcPts val="0"/>
-              </a:spcBef>
-              <a:spcAft>
-                <a:spcPts val="0"/>
-              </a:spcAft>
+            <a:pPr marL="0" indent="0">
               <a:buNone/>
             </a:pPr>
             <a:endParaRPr/>
@@ -1961,8 +1889,8 @@
         </p:nvSpPr>
         <p:spPr>
           <a:xfrm>
-            <a:off x="381000" y="685800"/>
-            <a:ext cx="6096000" cy="3429000"/>
+            <a:off x="457200" y="720725"/>
+            <a:ext cx="6400800" cy="3600450"/>
           </a:xfrm>
           <a:custGeom>
             <a:avLst/>
@@ -2027,26 +1955,20 @@
         </p:nvSpPr>
         <p:spPr>
           <a:xfrm>
-            <a:off x="685800" y="4343400"/>
-            <a:ext cx="5486400" cy="4114800"/>
+            <a:off x="731520" y="4560570"/>
+            <a:ext cx="5852160" cy="4320540"/>
           </a:xfrm>
           <a:prstGeom prst="rect">
             <a:avLst/>
           </a:prstGeom>
         </p:spPr>
         <p:txBody>
-          <a:bodyPr spcFirstLastPara="1" wrap="square" lIns="91425" tIns="91425" rIns="91425" bIns="91425" anchor="t" anchorCtr="0">
+          <a:bodyPr spcFirstLastPara="1" wrap="square" lIns="96645" tIns="96645" rIns="96645" bIns="96645" anchor="t" anchorCtr="0">
             <a:noAutofit/>
           </a:bodyPr>
           <a:lstStyle/>
           <a:p>
-            <a:pPr marL="0" lvl="0" indent="0" algn="l" rtl="0">
-              <a:spcBef>
-                <a:spcPts val="0"/>
-              </a:spcBef>
-              <a:spcAft>
-                <a:spcPts val="0"/>
-              </a:spcAft>
+            <a:pPr marL="0" indent="0">
               <a:buNone/>
             </a:pPr>
             <a:endParaRPr/>
@@ -2065,8 +1987,8 @@
         </p:nvSpPr>
         <p:spPr>
           <a:xfrm>
-            <a:off x="381000" y="685800"/>
-            <a:ext cx="6096000" cy="3429000"/>
+            <a:off x="457200" y="720725"/>
+            <a:ext cx="6400800" cy="3600450"/>
           </a:xfrm>
           <a:custGeom>
             <a:avLst/>
@@ -2131,26 +2053,20 @@
         </p:nvSpPr>
         <p:spPr>
           <a:xfrm>
-            <a:off x="685800" y="4343400"/>
-            <a:ext cx="5486400" cy="4114800"/>
+            <a:off x="731520" y="4560570"/>
+            <a:ext cx="5852160" cy="4320540"/>
           </a:xfrm>
           <a:prstGeom prst="rect">
             <a:avLst/>
           </a:prstGeom>
         </p:spPr>
         <p:txBody>
-          <a:bodyPr spcFirstLastPara="1" wrap="square" lIns="91425" tIns="91425" rIns="91425" bIns="91425" anchor="t" anchorCtr="0">
+          <a:bodyPr spcFirstLastPara="1" wrap="square" lIns="96645" tIns="96645" rIns="96645" bIns="96645" anchor="t" anchorCtr="0">
             <a:noAutofit/>
           </a:bodyPr>
           <a:lstStyle/>
           <a:p>
-            <a:pPr marL="0" lvl="0" indent="0" algn="l" rtl="0">
-              <a:spcBef>
-                <a:spcPts val="0"/>
-              </a:spcBef>
-              <a:spcAft>
-                <a:spcPts val="0"/>
-              </a:spcAft>
+            <a:pPr marL="0" indent="0">
               <a:buNone/>
             </a:pPr>
             <a:endParaRPr/>
@@ -2169,8 +2085,8 @@
         </p:nvSpPr>
         <p:spPr>
           <a:xfrm>
-            <a:off x="381000" y="685800"/>
-            <a:ext cx="6096000" cy="3429000"/>
+            <a:off x="457200" y="720725"/>
+            <a:ext cx="6400800" cy="3600450"/>
           </a:xfrm>
           <a:custGeom>
             <a:avLst/>
@@ -2235,26 +2151,20 @@
         </p:nvSpPr>
         <p:spPr>
           <a:xfrm>
-            <a:off x="685800" y="4343400"/>
-            <a:ext cx="5486400" cy="4114800"/>
+            <a:off x="731520" y="4560570"/>
+            <a:ext cx="5852160" cy="4320540"/>
           </a:xfrm>
           <a:prstGeom prst="rect">
             <a:avLst/>
           </a:prstGeom>
         </p:spPr>
         <p:txBody>
-          <a:bodyPr spcFirstLastPara="1" wrap="square" lIns="91425" tIns="91425" rIns="91425" bIns="91425" anchor="t" anchorCtr="0">
+          <a:bodyPr spcFirstLastPara="1" wrap="square" lIns="96645" tIns="96645" rIns="96645" bIns="96645" anchor="t" anchorCtr="0">
             <a:noAutofit/>
           </a:bodyPr>
           <a:lstStyle/>
           <a:p>
-            <a:pPr marL="0" lvl="0" indent="0" algn="l" rtl="0">
-              <a:spcBef>
-                <a:spcPts val="0"/>
-              </a:spcBef>
-              <a:spcAft>
-                <a:spcPts val="0"/>
-              </a:spcAft>
+            <a:pPr marL="0" indent="0">
               <a:buNone/>
             </a:pPr>
             <a:endParaRPr/>
@@ -2273,8 +2183,8 @@
         </p:nvSpPr>
         <p:spPr>
           <a:xfrm>
-            <a:off x="381000" y="685800"/>
-            <a:ext cx="6096000" cy="3429000"/>
+            <a:off x="457200" y="720725"/>
+            <a:ext cx="6400800" cy="3600450"/>
           </a:xfrm>
           <a:custGeom>
             <a:avLst/>
@@ -2339,26 +2249,20 @@
         </p:nvSpPr>
         <p:spPr>
           <a:xfrm>
-            <a:off x="685800" y="4343400"/>
-            <a:ext cx="5486400" cy="4114800"/>
+            <a:off x="731520" y="4560570"/>
+            <a:ext cx="5852160" cy="4320540"/>
           </a:xfrm>
           <a:prstGeom prst="rect">
             <a:avLst/>
           </a:prstGeom>
         </p:spPr>
         <p:txBody>
-          <a:bodyPr spcFirstLastPara="1" wrap="square" lIns="91425" tIns="91425" rIns="91425" bIns="91425" anchor="t" anchorCtr="0">
+          <a:bodyPr spcFirstLastPara="1" wrap="square" lIns="96645" tIns="96645" rIns="96645" bIns="96645" anchor="t" anchorCtr="0">
             <a:noAutofit/>
           </a:bodyPr>
           <a:lstStyle/>
           <a:p>
-            <a:pPr marL="0" lvl="0" indent="0" algn="l" rtl="0">
-              <a:spcBef>
-                <a:spcPts val="0"/>
-              </a:spcBef>
-              <a:spcAft>
-                <a:spcPts val="0"/>
-              </a:spcAft>
+            <a:pPr marL="0" indent="0">
               <a:buNone/>
             </a:pPr>
             <a:endParaRPr/>
@@ -2377,8 +2281,8 @@
         </p:nvSpPr>
         <p:spPr>
           <a:xfrm>
-            <a:off x="381000" y="685800"/>
-            <a:ext cx="6096000" cy="3429000"/>
+            <a:off x="457200" y="720725"/>
+            <a:ext cx="6400800" cy="3600450"/>
           </a:xfrm>
           <a:custGeom>
             <a:avLst/>
@@ -2443,26 +2347,20 @@
         </p:nvSpPr>
         <p:spPr>
           <a:xfrm>
-            <a:off x="685800" y="4343400"/>
-            <a:ext cx="5486400" cy="4114800"/>
+            <a:off x="731520" y="4560570"/>
+            <a:ext cx="5852160" cy="4320540"/>
           </a:xfrm>
           <a:prstGeom prst="rect">
             <a:avLst/>
           </a:prstGeom>
         </p:spPr>
         <p:txBody>
-          <a:bodyPr spcFirstLastPara="1" wrap="square" lIns="91425" tIns="91425" rIns="91425" bIns="91425" anchor="t" anchorCtr="0">
+          <a:bodyPr spcFirstLastPara="1" wrap="square" lIns="96645" tIns="96645" rIns="96645" bIns="96645" anchor="t" anchorCtr="0">
             <a:noAutofit/>
           </a:bodyPr>
           <a:lstStyle/>
           <a:p>
-            <a:pPr marL="0" lvl="0" indent="0" algn="l" rtl="0">
-              <a:spcBef>
-                <a:spcPts val="0"/>
-              </a:spcBef>
-              <a:spcAft>
-                <a:spcPts val="0"/>
-              </a:spcAft>
+            <a:pPr marL="0" indent="0">
               <a:buNone/>
             </a:pPr>
             <a:endParaRPr/>
@@ -2481,8 +2379,8 @@
         </p:nvSpPr>
         <p:spPr>
           <a:xfrm>
-            <a:off x="381000" y="685800"/>
-            <a:ext cx="6096000" cy="3429000"/>
+            <a:off x="457200" y="720725"/>
+            <a:ext cx="6400800" cy="3600450"/>
           </a:xfrm>
           <a:custGeom>
             <a:avLst/>
@@ -2547,26 +2445,20 @@
         </p:nvSpPr>
         <p:spPr>
           <a:xfrm>
-            <a:off x="685800" y="4343400"/>
-            <a:ext cx="5486400" cy="4114800"/>
+            <a:off x="731520" y="4560570"/>
+            <a:ext cx="5852160" cy="4320540"/>
           </a:xfrm>
           <a:prstGeom prst="rect">
             <a:avLst/>
           </a:prstGeom>
         </p:spPr>
         <p:txBody>
-          <a:bodyPr spcFirstLastPara="1" wrap="square" lIns="91425" tIns="91425" rIns="91425" bIns="91425" anchor="t" anchorCtr="0">
+          <a:bodyPr spcFirstLastPara="1" wrap="square" lIns="96645" tIns="96645" rIns="96645" bIns="96645" anchor="t" anchorCtr="0">
             <a:noAutofit/>
           </a:bodyPr>
           <a:lstStyle/>
           <a:p>
-            <a:pPr marL="0" lvl="0" indent="0" algn="l" rtl="0">
-              <a:spcBef>
-                <a:spcPts val="0"/>
-              </a:spcBef>
-              <a:spcAft>
-                <a:spcPts val="0"/>
-              </a:spcAft>
+            <a:pPr marL="0" indent="0">
               <a:buNone/>
             </a:pPr>
             <a:endParaRPr/>
@@ -2585,8 +2477,8 @@
         </p:nvSpPr>
         <p:spPr>
           <a:xfrm>
-            <a:off x="381000" y="685800"/>
-            <a:ext cx="6096000" cy="3429000"/>
+            <a:off x="457200" y="720725"/>
+            <a:ext cx="6400800" cy="3600450"/>
           </a:xfrm>
           <a:custGeom>
             <a:avLst/>
@@ -2651,26 +2543,20 @@
         </p:nvSpPr>
         <p:spPr>
           <a:xfrm>
-            <a:off x="685800" y="4343400"/>
-            <a:ext cx="5486400" cy="4114800"/>
+            <a:off x="731520" y="4560570"/>
+            <a:ext cx="5852160" cy="4320540"/>
           </a:xfrm>
           <a:prstGeom prst="rect">
             <a:avLst/>
           </a:prstGeom>
         </p:spPr>
         <p:txBody>
-          <a:bodyPr spcFirstLastPara="1" wrap="square" lIns="91425" tIns="91425" rIns="91425" bIns="91425" anchor="t" anchorCtr="0">
+          <a:bodyPr spcFirstLastPara="1" wrap="square" lIns="96645" tIns="96645" rIns="96645" bIns="96645" anchor="t" anchorCtr="0">
             <a:noAutofit/>
           </a:bodyPr>
           <a:lstStyle/>
           <a:p>
-            <a:pPr marL="0" lvl="0" indent="0" algn="l" rtl="0">
-              <a:spcBef>
-                <a:spcPts val="0"/>
-              </a:spcBef>
-              <a:spcAft>
-                <a:spcPts val="0"/>
-              </a:spcAft>
+            <a:pPr marL="0" indent="0">
               <a:buNone/>
             </a:pPr>
             <a:endParaRPr/>
@@ -2689,8 +2575,8 @@
         </p:nvSpPr>
         <p:spPr>
           <a:xfrm>
-            <a:off x="381000" y="685800"/>
-            <a:ext cx="6096000" cy="3429000"/>
+            <a:off x="457200" y="720725"/>
+            <a:ext cx="6400800" cy="3600450"/>
           </a:xfrm>
           <a:custGeom>
             <a:avLst/>
@@ -2755,26 +2641,20 @@
         </p:nvSpPr>
         <p:spPr>
           <a:xfrm>
-            <a:off x="685800" y="4343400"/>
-            <a:ext cx="5486400" cy="4114800"/>
+            <a:off x="731520" y="4560570"/>
+            <a:ext cx="5852160" cy="4320540"/>
           </a:xfrm>
           <a:prstGeom prst="rect">
             <a:avLst/>
           </a:prstGeom>
         </p:spPr>
         <p:txBody>
-          <a:bodyPr spcFirstLastPara="1" wrap="square" lIns="91425" tIns="91425" rIns="91425" bIns="91425" anchor="t" anchorCtr="0">
+          <a:bodyPr spcFirstLastPara="1" wrap="square" lIns="96645" tIns="96645" rIns="96645" bIns="96645" anchor="t" anchorCtr="0">
             <a:noAutofit/>
           </a:bodyPr>
           <a:lstStyle/>
           <a:p>
-            <a:pPr marL="0" lvl="0" indent="0" algn="l" rtl="0">
-              <a:spcBef>
-                <a:spcPts val="0"/>
-              </a:spcBef>
-              <a:spcAft>
-                <a:spcPts val="0"/>
-              </a:spcAft>
+            <a:pPr marL="0" indent="0">
               <a:buNone/>
             </a:pPr>
             <a:endParaRPr/>
@@ -2793,8 +2673,8 @@
         </p:nvSpPr>
         <p:spPr>
           <a:xfrm>
-            <a:off x="381000" y="685800"/>
-            <a:ext cx="6096000" cy="3429000"/>
+            <a:off x="457200" y="720725"/>
+            <a:ext cx="6400800" cy="3600450"/>
           </a:xfrm>
           <a:custGeom>
             <a:avLst/>
@@ -2859,26 +2739,20 @@
         </p:nvSpPr>
         <p:spPr>
           <a:xfrm>
-            <a:off x="685800" y="4343400"/>
-            <a:ext cx="5486400" cy="4114800"/>
+            <a:off x="731520" y="4560570"/>
+            <a:ext cx="5852160" cy="4320540"/>
           </a:xfrm>
           <a:prstGeom prst="rect">
             <a:avLst/>
           </a:prstGeom>
         </p:spPr>
         <p:txBody>
-          <a:bodyPr spcFirstLastPara="1" wrap="square" lIns="91425" tIns="91425" rIns="91425" bIns="91425" anchor="t" anchorCtr="0">
+          <a:bodyPr spcFirstLastPara="1" wrap="square" lIns="96645" tIns="96645" rIns="96645" bIns="96645" anchor="t" anchorCtr="0">
             <a:noAutofit/>
           </a:bodyPr>
           <a:lstStyle/>
           <a:p>
-            <a:pPr marL="0" lvl="0" indent="0" algn="l" rtl="0">
-              <a:spcBef>
-                <a:spcPts val="0"/>
-              </a:spcBef>
-              <a:spcAft>
-                <a:spcPts val="0"/>
-              </a:spcAft>
+            <a:pPr marL="0" indent="0">
               <a:buNone/>
             </a:pPr>
             <a:endParaRPr/>
@@ -2897,8 +2771,8 @@
         </p:nvSpPr>
         <p:spPr>
           <a:xfrm>
-            <a:off x="381000" y="685800"/>
-            <a:ext cx="6096000" cy="3429000"/>
+            <a:off x="457200" y="720725"/>
+            <a:ext cx="6400800" cy="3600450"/>
           </a:xfrm>
           <a:custGeom>
             <a:avLst/>
@@ -2963,26 +2837,20 @@
         </p:nvSpPr>
         <p:spPr>
           <a:xfrm>
-            <a:off x="685800" y="4343400"/>
-            <a:ext cx="5486400" cy="4114800"/>
+            <a:off x="731520" y="4560570"/>
+            <a:ext cx="5852160" cy="4320540"/>
           </a:xfrm>
           <a:prstGeom prst="rect">
             <a:avLst/>
           </a:prstGeom>
         </p:spPr>
         <p:txBody>
-          <a:bodyPr spcFirstLastPara="1" wrap="square" lIns="91425" tIns="91425" rIns="91425" bIns="91425" anchor="t" anchorCtr="0">
+          <a:bodyPr spcFirstLastPara="1" wrap="square" lIns="96645" tIns="96645" rIns="96645" bIns="96645" anchor="t" anchorCtr="0">
             <a:noAutofit/>
           </a:bodyPr>
           <a:lstStyle/>
           <a:p>
-            <a:pPr marL="0" lvl="0" indent="0" algn="l" rtl="0">
-              <a:spcBef>
-                <a:spcPts val="0"/>
-              </a:spcBef>
-              <a:spcAft>
-                <a:spcPts val="0"/>
-              </a:spcAft>
+            <a:pPr marL="0" indent="0">
               <a:buNone/>
             </a:pPr>
             <a:endParaRPr/>
@@ -3001,8 +2869,8 @@
         </p:nvSpPr>
         <p:spPr>
           <a:xfrm>
-            <a:off x="381000" y="685800"/>
-            <a:ext cx="6096000" cy="3429000"/>
+            <a:off x="457200" y="720725"/>
+            <a:ext cx="6400800" cy="3600450"/>
           </a:xfrm>
           <a:custGeom>
             <a:avLst/>
@@ -3072,26 +2940,20 @@
         </p:nvSpPr>
         <p:spPr>
           <a:xfrm>
-            <a:off x="685800" y="4343400"/>
-            <a:ext cx="5486400" cy="4114800"/>
+            <a:off x="731520" y="4560570"/>
+            <a:ext cx="5852160" cy="4320540"/>
           </a:xfrm>
           <a:prstGeom prst="rect">
             <a:avLst/>
           </a:prstGeom>
         </p:spPr>
         <p:txBody>
-          <a:bodyPr spcFirstLastPara="1" wrap="square" lIns="91425" tIns="91425" rIns="91425" bIns="91425" anchor="t" anchorCtr="0">
+          <a:bodyPr spcFirstLastPara="1" wrap="square" lIns="96645" tIns="96645" rIns="96645" bIns="96645" anchor="t" anchorCtr="0">
             <a:noAutofit/>
           </a:bodyPr>
           <a:lstStyle/>
           <a:p>
-            <a:pPr marL="0" lvl="0" indent="0" algn="l" rtl="0">
-              <a:spcBef>
-                <a:spcPts val="0"/>
-              </a:spcBef>
-              <a:spcAft>
-                <a:spcPts val="0"/>
-              </a:spcAft>
+            <a:pPr marL="0" indent="0">
               <a:buNone/>
             </a:pPr>
             <a:endParaRPr/>
@@ -3110,8 +2972,8 @@
         </p:nvSpPr>
         <p:spPr>
           <a:xfrm>
-            <a:off x="381000" y="685800"/>
-            <a:ext cx="6096000" cy="3429000"/>
+            <a:off x="457200" y="720725"/>
+            <a:ext cx="6400800" cy="3600450"/>
           </a:xfrm>
           <a:custGeom>
             <a:avLst/>
@@ -3176,26 +3038,20 @@
         </p:nvSpPr>
         <p:spPr>
           <a:xfrm>
-            <a:off x="685800" y="4343400"/>
-            <a:ext cx="5486400" cy="4114800"/>
+            <a:off x="731520" y="4560570"/>
+            <a:ext cx="5852160" cy="4320540"/>
           </a:xfrm>
           <a:prstGeom prst="rect">
             <a:avLst/>
           </a:prstGeom>
         </p:spPr>
         <p:txBody>
-          <a:bodyPr spcFirstLastPara="1" wrap="square" lIns="91425" tIns="91425" rIns="91425" bIns="91425" anchor="t" anchorCtr="0">
+          <a:bodyPr spcFirstLastPara="1" wrap="square" lIns="96645" tIns="96645" rIns="96645" bIns="96645" anchor="t" anchorCtr="0">
             <a:noAutofit/>
           </a:bodyPr>
           <a:lstStyle/>
           <a:p>
-            <a:pPr marL="0" lvl="0" indent="0" algn="l" rtl="0">
-              <a:spcBef>
-                <a:spcPts val="0"/>
-              </a:spcBef>
-              <a:spcAft>
-                <a:spcPts val="0"/>
-              </a:spcAft>
+            <a:pPr marL="0" indent="0">
               <a:buNone/>
             </a:pPr>
             <a:endParaRPr/>
@@ -3214,8 +3070,8 @@
         </p:nvSpPr>
         <p:spPr>
           <a:xfrm>
-            <a:off x="381000" y="685800"/>
-            <a:ext cx="6096000" cy="3429000"/>
+            <a:off x="457200" y="720725"/>
+            <a:ext cx="6400800" cy="3600450"/>
           </a:xfrm>
           <a:custGeom>
             <a:avLst/>
@@ -3280,26 +3136,20 @@
         </p:nvSpPr>
         <p:spPr>
           <a:xfrm>
-            <a:off x="685800" y="4343400"/>
-            <a:ext cx="5486400" cy="4114800"/>
+            <a:off x="731520" y="4560570"/>
+            <a:ext cx="5852160" cy="4320540"/>
           </a:xfrm>
           <a:prstGeom prst="rect">
             <a:avLst/>
           </a:prstGeom>
         </p:spPr>
         <p:txBody>
-          <a:bodyPr spcFirstLastPara="1" wrap="square" lIns="91425" tIns="91425" rIns="91425" bIns="91425" anchor="t" anchorCtr="0">
+          <a:bodyPr spcFirstLastPara="1" wrap="square" lIns="96645" tIns="96645" rIns="96645" bIns="96645" anchor="t" anchorCtr="0">
             <a:noAutofit/>
           </a:bodyPr>
           <a:lstStyle/>
           <a:p>
-            <a:pPr marL="0" lvl="0" indent="0" algn="l" rtl="0">
-              <a:spcBef>
-                <a:spcPts val="0"/>
-              </a:spcBef>
-              <a:spcAft>
-                <a:spcPts val="0"/>
-              </a:spcAft>
+            <a:pPr marL="0" indent="0">
               <a:buNone/>
             </a:pPr>
             <a:endParaRPr/>
@@ -3318,8 +3168,8 @@
         </p:nvSpPr>
         <p:spPr>
           <a:xfrm>
-            <a:off x="381000" y="685800"/>
-            <a:ext cx="6096000" cy="3429000"/>
+            <a:off x="457200" y="720725"/>
+            <a:ext cx="6400800" cy="3600450"/>
           </a:xfrm>
           <a:custGeom>
             <a:avLst/>
@@ -3384,26 +3234,20 @@
         </p:nvSpPr>
         <p:spPr>
           <a:xfrm>
-            <a:off x="685800" y="4343400"/>
-            <a:ext cx="5486400" cy="4114800"/>
+            <a:off x="731520" y="4560570"/>
+            <a:ext cx="5852160" cy="4320540"/>
           </a:xfrm>
           <a:prstGeom prst="rect">
             <a:avLst/>
           </a:prstGeom>
         </p:spPr>
         <p:txBody>
-          <a:bodyPr spcFirstLastPara="1" wrap="square" lIns="91425" tIns="91425" rIns="91425" bIns="91425" anchor="t" anchorCtr="0">
+          <a:bodyPr spcFirstLastPara="1" wrap="square" lIns="96645" tIns="96645" rIns="96645" bIns="96645" anchor="t" anchorCtr="0">
             <a:noAutofit/>
           </a:bodyPr>
           <a:lstStyle/>
           <a:p>
-            <a:pPr marL="0" lvl="0" indent="0" algn="l" rtl="0">
-              <a:spcBef>
-                <a:spcPts val="0"/>
-              </a:spcBef>
-              <a:spcAft>
-                <a:spcPts val="0"/>
-              </a:spcAft>
+            <a:pPr marL="0" indent="0">
               <a:buNone/>
             </a:pPr>
             <a:endParaRPr/>
@@ -3422,8 +3266,8 @@
         </p:nvSpPr>
         <p:spPr>
           <a:xfrm>
-            <a:off x="381000" y="685800"/>
-            <a:ext cx="6096000" cy="3429000"/>
+            <a:off x="457200" y="720725"/>
+            <a:ext cx="6400800" cy="3600450"/>
           </a:xfrm>
           <a:custGeom>
             <a:avLst/>
@@ -3493,26 +3337,20 @@
         </p:nvSpPr>
         <p:spPr>
           <a:xfrm>
-            <a:off x="685800" y="4343400"/>
-            <a:ext cx="5486400" cy="4114800"/>
+            <a:off x="731520" y="4560570"/>
+            <a:ext cx="5852160" cy="4320540"/>
           </a:xfrm>
           <a:prstGeom prst="rect">
             <a:avLst/>
           </a:prstGeom>
         </p:spPr>
         <p:txBody>
-          <a:bodyPr spcFirstLastPara="1" wrap="square" lIns="91425" tIns="91425" rIns="91425" bIns="91425" anchor="t" anchorCtr="0">
+          <a:bodyPr spcFirstLastPara="1" wrap="square" lIns="96645" tIns="96645" rIns="96645" bIns="96645" anchor="t" anchorCtr="0">
             <a:noAutofit/>
           </a:bodyPr>
           <a:lstStyle/>
           <a:p>
-            <a:pPr marL="0" lvl="0" indent="0" algn="l" rtl="0">
-              <a:spcBef>
-                <a:spcPts val="0"/>
-              </a:spcBef>
-              <a:spcAft>
-                <a:spcPts val="0"/>
-              </a:spcAft>
+            <a:pPr marL="0" indent="0">
               <a:buNone/>
             </a:pPr>
             <a:endParaRPr/>
@@ -3531,8 +3369,8 @@
         </p:nvSpPr>
         <p:spPr>
           <a:xfrm>
-            <a:off x="381000" y="685800"/>
-            <a:ext cx="6096000" cy="3429000"/>
+            <a:off x="457200" y="720725"/>
+            <a:ext cx="6400800" cy="3600450"/>
           </a:xfrm>
           <a:custGeom>
             <a:avLst/>
@@ -3597,26 +3435,20 @@
         </p:nvSpPr>
         <p:spPr>
           <a:xfrm>
-            <a:off x="685800" y="4343400"/>
-            <a:ext cx="5486400" cy="4114800"/>
+            <a:off x="731520" y="4560570"/>
+            <a:ext cx="5852160" cy="4320540"/>
           </a:xfrm>
           <a:prstGeom prst="rect">
             <a:avLst/>
           </a:prstGeom>
         </p:spPr>
         <p:txBody>
-          <a:bodyPr spcFirstLastPara="1" wrap="square" lIns="91425" tIns="91425" rIns="91425" bIns="91425" anchor="t" anchorCtr="0">
+          <a:bodyPr spcFirstLastPara="1" wrap="square" lIns="96645" tIns="96645" rIns="96645" bIns="96645" anchor="t" anchorCtr="0">
             <a:noAutofit/>
           </a:bodyPr>
           <a:lstStyle/>
           <a:p>
-            <a:pPr marL="0" lvl="0" indent="0" algn="l" rtl="0">
-              <a:spcBef>
-                <a:spcPts val="0"/>
-              </a:spcBef>
-              <a:spcAft>
-                <a:spcPts val="0"/>
-              </a:spcAft>
+            <a:pPr marL="0" indent="0">
               <a:buNone/>
             </a:pPr>
             <a:endParaRPr/>
@@ -3635,8 +3467,8 @@
         </p:nvSpPr>
         <p:spPr>
           <a:xfrm>
-            <a:off x="381000" y="685800"/>
-            <a:ext cx="6096000" cy="3429000"/>
+            <a:off x="457200" y="720725"/>
+            <a:ext cx="6400800" cy="3600450"/>
           </a:xfrm>
           <a:custGeom>
             <a:avLst/>
@@ -4129,6 +3961,10 @@
             </a:lvl9pPr>
           </a:lstStyle>
           <a:p>
+            <a:fld id="{BF7B4DBC-5D60-4223-8E6F-2D8B22EBE229}" type="datetime1">
+              <a:rPr lang="en-US" smtClean="0"/>
+              <a:t>10/19/2022</a:t>
+            </a:fld>
             <a:endParaRPr/>
           </a:p>
         </p:txBody>
@@ -4884,6 +4720,10 @@
             </a:lvl9pPr>
           </a:lstStyle>
           <a:p>
+            <a:fld id="{DACDE244-2FBD-4C4C-AB0E-F013467F84B1}" type="datetime1">
+              <a:rPr lang="en-US" smtClean="0"/>
+              <a:t>10/19/2022</a:t>
+            </a:fld>
             <a:endParaRPr/>
           </a:p>
         </p:txBody>
@@ -6123,6 +5963,10 @@
             </a:lvl9pPr>
           </a:lstStyle>
           <a:p>
+            <a:fld id="{2C2E79D6-8FBB-4773-AA2B-4196DFE41E27}" type="datetime1">
+              <a:rPr lang="en-US" smtClean="0"/>
+              <a:t>10/19/2022</a:t>
+            </a:fld>
             <a:endParaRPr/>
           </a:p>
         </p:txBody>
@@ -7010,6 +6854,10 @@
             </a:lvl9pPr>
           </a:lstStyle>
           <a:p>
+            <a:fld id="{D623103F-AB6E-47FE-8440-8BC92D641CFF}" type="datetime1">
+              <a:rPr lang="en-US" smtClean="0"/>
+              <a:t>10/19/2022</a:t>
+            </a:fld>
             <a:endParaRPr/>
           </a:p>
         </p:txBody>
@@ -7800,6 +7648,10 @@
             </a:lvl9pPr>
           </a:lstStyle>
           <a:p>
+            <a:fld id="{A260ED8E-939D-4A1B-85DD-22E05E2CBBB5}" type="datetime1">
+              <a:rPr lang="en-US" smtClean="0"/>
+              <a:t>10/19/2022</a:t>
+            </a:fld>
             <a:endParaRPr/>
           </a:p>
         </p:txBody>
@@ -8594,6 +8446,10 @@
             </a:lvl9pPr>
           </a:lstStyle>
           <a:p>
+            <a:fld id="{1789862F-34D0-4A48-AB38-C3563A0C2D1B}" type="datetime1">
+              <a:rPr lang="en-US" smtClean="0"/>
+              <a:t>10/19/2022</a:t>
+            </a:fld>
             <a:endParaRPr/>
           </a:p>
         </p:txBody>
@@ -9428,6 +9284,10 @@
             </a:lvl9pPr>
           </a:lstStyle>
           <a:p>
+            <a:fld id="{22462B93-B80F-439B-8D60-AA574659348C}" type="datetime1">
+              <a:rPr lang="en-US" smtClean="0"/>
+              <a:t>10/19/2022</a:t>
+            </a:fld>
             <a:endParaRPr/>
           </a:p>
         </p:txBody>
@@ -9971,6 +9831,10 @@
             </a:lvl9pPr>
           </a:lstStyle>
           <a:p>
+            <a:fld id="{AA3E78BA-0695-40A7-8F66-43704E10A94F}" type="datetime1">
+              <a:rPr lang="en-US" smtClean="0"/>
+              <a:t>10/19/2022</a:t>
+            </a:fld>
             <a:endParaRPr/>
           </a:p>
         </p:txBody>
@@ -10415,6 +10279,10 @@
             </a:lvl9pPr>
           </a:lstStyle>
           <a:p>
+            <a:fld id="{86F09568-A94C-46C8-B4E1-B37E6072ADBA}" type="datetime1">
+              <a:rPr lang="en-US" smtClean="0"/>
+              <a:t>10/19/2022</a:t>
+            </a:fld>
             <a:endParaRPr/>
           </a:p>
         </p:txBody>
@@ -11130,6 +10998,10 @@
             </a:lvl9pPr>
           </a:lstStyle>
           <a:p>
+            <a:fld id="{A5C97449-FE34-420D-9A68-31398722132A}" type="datetime1">
+              <a:rPr lang="en-US" smtClean="0"/>
+              <a:t>10/19/2022</a:t>
+            </a:fld>
             <a:endParaRPr/>
           </a:p>
         </p:txBody>
@@ -12070,6 +11942,10 @@
             </a:lvl9pPr>
           </a:lstStyle>
           <a:p>
+            <a:fld id="{179332E5-8749-4C24-8FFE-E3D0CFBB545F}" type="datetime1">
+              <a:rPr lang="en-US" smtClean="0"/>
+              <a:t>10/19/2022</a:t>
+            </a:fld>
             <a:endParaRPr/>
           </a:p>
         </p:txBody>
@@ -12505,7 +12381,7 @@
   <p:transition spd="slow">
     <p:push/>
   </p:transition>
-  <p:hf sldNum="0" hdr="0" ftr="0" dt="0"/>
+  <p:hf hdr="0" ftr="0"/>
   <p:txStyles>
     <p:titleStyle>
       <a:defPPr marR="0" lvl="0" algn="l" rtl="0">
@@ -13296,6 +13172,73 @@
           </a:p>
         </p:txBody>
       </p:sp>
+      <p:sp>
+        <p:nvSpPr>
+          <p:cNvPr id="2" name="Date Placeholder 1">
+            <a:extLst>
+              <a:ext uri="{FF2B5EF4-FFF2-40B4-BE49-F238E27FC236}">
+                <a16:creationId xmlns:a16="http://schemas.microsoft.com/office/drawing/2014/main" id="{0E0C8F0A-B4FD-CEFB-C6A0-B36428C071A6}"/>
+              </a:ext>
+            </a:extLst>
+          </p:cNvPr>
+          <p:cNvSpPr>
+            <a:spLocks noGrp="1"/>
+          </p:cNvSpPr>
+          <p:nvPr>
+            <p:ph type="dt" idx="10"/>
+          </p:nvPr>
+        </p:nvSpPr>
+        <p:spPr/>
+        <p:txBody>
+          <a:bodyPr/>
+          <a:lstStyle/>
+          <a:p>
+            <a:fld id="{91278A77-CBA3-4706-8429-5D15F543806B}" type="datetime1">
+              <a:rPr lang="en-US" smtClean="0"/>
+              <a:t>10/19/2022</a:t>
+            </a:fld>
+            <a:endParaRPr lang="en-US"/>
+          </a:p>
+        </p:txBody>
+      </p:sp>
+      <p:sp>
+        <p:nvSpPr>
+          <p:cNvPr id="3" name="Slide Number Placeholder 2">
+            <a:extLst>
+              <a:ext uri="{FF2B5EF4-FFF2-40B4-BE49-F238E27FC236}">
+                <a16:creationId xmlns:a16="http://schemas.microsoft.com/office/drawing/2014/main" id="{8F0678B5-931C-1E68-F3E7-47715D53BD8D}"/>
+              </a:ext>
+            </a:extLst>
+          </p:cNvPr>
+          <p:cNvSpPr>
+            <a:spLocks noGrp="1"/>
+          </p:cNvSpPr>
+          <p:nvPr>
+            <p:ph type="sldNum" idx="12"/>
+          </p:nvPr>
+        </p:nvSpPr>
+        <p:spPr/>
+        <p:txBody>
+          <a:bodyPr/>
+          <a:lstStyle/>
+          <a:p>
+            <a:pPr marL="0" lvl="0" indent="0" algn="l" rtl="0">
+              <a:spcBef>
+                <a:spcPts val="0"/>
+              </a:spcBef>
+              <a:spcAft>
+                <a:spcPts val="0"/>
+              </a:spcAft>
+              <a:buNone/>
+            </a:pPr>
+            <a:fld id="{00000000-1234-1234-1234-123412341234}" type="slidenum">
+              <a:rPr lang="en-US" smtClean="0"/>
+              <a:t>1</a:t>
+            </a:fld>
+            <a:endParaRPr lang="en-US"/>
+          </a:p>
+        </p:txBody>
+      </p:sp>
     </p:spTree>
   </p:cSld>
   <p:clrMapOvr>
@@ -13807,6 +13750,73 @@
               <a:t>)</a:t>
             </a:r>
             <a:endParaRPr sz="2800" dirty="0"/>
+          </a:p>
+        </p:txBody>
+      </p:sp>
+      <p:sp>
+        <p:nvSpPr>
+          <p:cNvPr id="2" name="Date Placeholder 1">
+            <a:extLst>
+              <a:ext uri="{FF2B5EF4-FFF2-40B4-BE49-F238E27FC236}">
+                <a16:creationId xmlns:a16="http://schemas.microsoft.com/office/drawing/2014/main" id="{72900768-BA8F-FCBB-ED82-1E5824392C78}"/>
+              </a:ext>
+            </a:extLst>
+          </p:cNvPr>
+          <p:cNvSpPr>
+            <a:spLocks noGrp="1"/>
+          </p:cNvSpPr>
+          <p:nvPr>
+            <p:ph type="dt" idx="10"/>
+          </p:nvPr>
+        </p:nvSpPr>
+        <p:spPr/>
+        <p:txBody>
+          <a:bodyPr/>
+          <a:lstStyle/>
+          <a:p>
+            <a:fld id="{4F509FBC-9510-4570-979A-31FE55114731}" type="datetime1">
+              <a:rPr lang="en-US" smtClean="0"/>
+              <a:t>10/19/2022</a:t>
+            </a:fld>
+            <a:endParaRPr lang="en-US"/>
+          </a:p>
+        </p:txBody>
+      </p:sp>
+      <p:sp>
+        <p:nvSpPr>
+          <p:cNvPr id="3" name="Slide Number Placeholder 2">
+            <a:extLst>
+              <a:ext uri="{FF2B5EF4-FFF2-40B4-BE49-F238E27FC236}">
+                <a16:creationId xmlns:a16="http://schemas.microsoft.com/office/drawing/2014/main" id="{584A5219-9C83-0586-4180-1583848D59B8}"/>
+              </a:ext>
+            </a:extLst>
+          </p:cNvPr>
+          <p:cNvSpPr>
+            <a:spLocks noGrp="1"/>
+          </p:cNvSpPr>
+          <p:nvPr>
+            <p:ph type="sldNum" idx="12"/>
+          </p:nvPr>
+        </p:nvSpPr>
+        <p:spPr/>
+        <p:txBody>
+          <a:bodyPr/>
+          <a:lstStyle/>
+          <a:p>
+            <a:pPr marL="0" lvl="0" indent="0" algn="l" rtl="0">
+              <a:spcBef>
+                <a:spcPts val="0"/>
+              </a:spcBef>
+              <a:spcAft>
+                <a:spcPts val="0"/>
+              </a:spcAft>
+              <a:buNone/>
+            </a:pPr>
+            <a:fld id="{00000000-1234-1234-1234-123412341234}" type="slidenum">
+              <a:rPr lang="en-US" smtClean="0"/>
+              <a:t>10</a:t>
+            </a:fld>
+            <a:endParaRPr lang="en-US"/>
           </a:p>
         </p:txBody>
       </p:sp>
@@ -14703,6 +14713,73 @@
           </a:p>
         </p:txBody>
       </p:sp>
+      <p:sp>
+        <p:nvSpPr>
+          <p:cNvPr id="3" name="Date Placeholder 2">
+            <a:extLst>
+              <a:ext uri="{FF2B5EF4-FFF2-40B4-BE49-F238E27FC236}">
+                <a16:creationId xmlns:a16="http://schemas.microsoft.com/office/drawing/2014/main" id="{7F34C756-16C3-175A-1F45-A6ED620ACB66}"/>
+              </a:ext>
+            </a:extLst>
+          </p:cNvPr>
+          <p:cNvSpPr>
+            <a:spLocks noGrp="1"/>
+          </p:cNvSpPr>
+          <p:nvPr>
+            <p:ph type="dt" idx="10"/>
+          </p:nvPr>
+        </p:nvSpPr>
+        <p:spPr/>
+        <p:txBody>
+          <a:bodyPr/>
+          <a:lstStyle/>
+          <a:p>
+            <a:fld id="{75EFDD5F-B26B-4A9F-BFEE-F501E56E894F}" type="datetime1">
+              <a:rPr lang="en-US" smtClean="0"/>
+              <a:t>10/19/2022</a:t>
+            </a:fld>
+            <a:endParaRPr lang="en-US"/>
+          </a:p>
+        </p:txBody>
+      </p:sp>
+      <p:sp>
+        <p:nvSpPr>
+          <p:cNvPr id="5" name="Slide Number Placeholder 4">
+            <a:extLst>
+              <a:ext uri="{FF2B5EF4-FFF2-40B4-BE49-F238E27FC236}">
+                <a16:creationId xmlns:a16="http://schemas.microsoft.com/office/drawing/2014/main" id="{6538A4B9-5035-1FD9-7F7B-D4460D37B0CB}"/>
+              </a:ext>
+            </a:extLst>
+          </p:cNvPr>
+          <p:cNvSpPr>
+            <a:spLocks noGrp="1"/>
+          </p:cNvSpPr>
+          <p:nvPr>
+            <p:ph type="sldNum" idx="12"/>
+          </p:nvPr>
+        </p:nvSpPr>
+        <p:spPr/>
+        <p:txBody>
+          <a:bodyPr/>
+          <a:lstStyle/>
+          <a:p>
+            <a:pPr marL="0" lvl="0" indent="0" algn="l" rtl="0">
+              <a:spcBef>
+                <a:spcPts val="0"/>
+              </a:spcBef>
+              <a:spcAft>
+                <a:spcPts val="0"/>
+              </a:spcAft>
+              <a:buNone/>
+            </a:pPr>
+            <a:fld id="{00000000-1234-1234-1234-123412341234}" type="slidenum">
+              <a:rPr lang="en-US" smtClean="0"/>
+              <a:t>11</a:t>
+            </a:fld>
+            <a:endParaRPr lang="en-US"/>
+          </a:p>
+        </p:txBody>
+      </p:sp>
     </p:spTree>
   </p:cSld>
   <p:clrMapOvr>
@@ -15062,6 +15139,73 @@
               <a:t>=COUNTA(value1:value2)</a:t>
             </a:r>
             <a:endParaRPr dirty="0"/>
+          </a:p>
+        </p:txBody>
+      </p:sp>
+      <p:sp>
+        <p:nvSpPr>
+          <p:cNvPr id="2" name="Date Placeholder 1">
+            <a:extLst>
+              <a:ext uri="{FF2B5EF4-FFF2-40B4-BE49-F238E27FC236}">
+                <a16:creationId xmlns:a16="http://schemas.microsoft.com/office/drawing/2014/main" id="{E39A9186-48C2-6B32-E1FE-0AAFC4ACECBB}"/>
+              </a:ext>
+            </a:extLst>
+          </p:cNvPr>
+          <p:cNvSpPr>
+            <a:spLocks noGrp="1"/>
+          </p:cNvSpPr>
+          <p:nvPr>
+            <p:ph type="dt" idx="10"/>
+          </p:nvPr>
+        </p:nvSpPr>
+        <p:spPr/>
+        <p:txBody>
+          <a:bodyPr/>
+          <a:lstStyle/>
+          <a:p>
+            <a:fld id="{203C937D-BDC1-41D6-BE85-E7AD1B82819B}" type="datetime1">
+              <a:rPr lang="en-US" smtClean="0"/>
+              <a:t>10/19/2022</a:t>
+            </a:fld>
+            <a:endParaRPr lang="en-US"/>
+          </a:p>
+        </p:txBody>
+      </p:sp>
+      <p:sp>
+        <p:nvSpPr>
+          <p:cNvPr id="3" name="Slide Number Placeholder 2">
+            <a:extLst>
+              <a:ext uri="{FF2B5EF4-FFF2-40B4-BE49-F238E27FC236}">
+                <a16:creationId xmlns:a16="http://schemas.microsoft.com/office/drawing/2014/main" id="{7CDCDFF3-0AC0-9C71-8C10-95BB495B83FC}"/>
+              </a:ext>
+            </a:extLst>
+          </p:cNvPr>
+          <p:cNvSpPr>
+            <a:spLocks noGrp="1"/>
+          </p:cNvSpPr>
+          <p:nvPr>
+            <p:ph type="sldNum" idx="12"/>
+          </p:nvPr>
+        </p:nvSpPr>
+        <p:spPr/>
+        <p:txBody>
+          <a:bodyPr/>
+          <a:lstStyle/>
+          <a:p>
+            <a:pPr marL="0" lvl="0" indent="0" algn="l" rtl="0">
+              <a:spcBef>
+                <a:spcPts val="0"/>
+              </a:spcBef>
+              <a:spcAft>
+                <a:spcPts val="0"/>
+              </a:spcAft>
+              <a:buNone/>
+            </a:pPr>
+            <a:fld id="{00000000-1234-1234-1234-123412341234}" type="slidenum">
+              <a:rPr lang="en-US" smtClean="0"/>
+              <a:t>12</a:t>
+            </a:fld>
+            <a:endParaRPr lang="en-US"/>
           </a:p>
         </p:txBody>
       </p:sp>
@@ -16005,6 +16149,73 @@
               <a:t>=COUNTA($value$1:$value$2,criteria)</a:t>
             </a:r>
             <a:endParaRPr dirty="0"/>
+          </a:p>
+        </p:txBody>
+      </p:sp>
+      <p:sp>
+        <p:nvSpPr>
+          <p:cNvPr id="2" name="Date Placeholder 1">
+            <a:extLst>
+              <a:ext uri="{FF2B5EF4-FFF2-40B4-BE49-F238E27FC236}">
+                <a16:creationId xmlns:a16="http://schemas.microsoft.com/office/drawing/2014/main" id="{56446968-DEF9-1F1B-CA52-49815F8BA1BE}"/>
+              </a:ext>
+            </a:extLst>
+          </p:cNvPr>
+          <p:cNvSpPr>
+            <a:spLocks noGrp="1"/>
+          </p:cNvSpPr>
+          <p:nvPr>
+            <p:ph type="dt" idx="10"/>
+          </p:nvPr>
+        </p:nvSpPr>
+        <p:spPr/>
+        <p:txBody>
+          <a:bodyPr/>
+          <a:lstStyle/>
+          <a:p>
+            <a:fld id="{AE68AB98-4EC2-49CC-9A88-AA29547C9889}" type="datetime1">
+              <a:rPr lang="en-US" smtClean="0"/>
+              <a:t>10/19/2022</a:t>
+            </a:fld>
+            <a:endParaRPr lang="en-US"/>
+          </a:p>
+        </p:txBody>
+      </p:sp>
+      <p:sp>
+        <p:nvSpPr>
+          <p:cNvPr id="3" name="Slide Number Placeholder 2">
+            <a:extLst>
+              <a:ext uri="{FF2B5EF4-FFF2-40B4-BE49-F238E27FC236}">
+                <a16:creationId xmlns:a16="http://schemas.microsoft.com/office/drawing/2014/main" id="{CF8F51DE-B36F-3784-E121-5DDA251DE23B}"/>
+              </a:ext>
+            </a:extLst>
+          </p:cNvPr>
+          <p:cNvSpPr>
+            <a:spLocks noGrp="1"/>
+          </p:cNvSpPr>
+          <p:nvPr>
+            <p:ph type="sldNum" idx="12"/>
+          </p:nvPr>
+        </p:nvSpPr>
+        <p:spPr/>
+        <p:txBody>
+          <a:bodyPr/>
+          <a:lstStyle/>
+          <a:p>
+            <a:pPr marL="0" lvl="0" indent="0" algn="l" rtl="0">
+              <a:spcBef>
+                <a:spcPts val="0"/>
+              </a:spcBef>
+              <a:spcAft>
+                <a:spcPts val="0"/>
+              </a:spcAft>
+              <a:buNone/>
+            </a:pPr>
+            <a:fld id="{00000000-1234-1234-1234-123412341234}" type="slidenum">
+              <a:rPr lang="en-US" smtClean="0"/>
+              <a:t>13</a:t>
+            </a:fld>
+            <a:endParaRPr lang="en-US"/>
           </a:p>
         </p:txBody>
       </p:sp>
@@ -16952,6 +17163,73 @@
           </a:p>
         </p:txBody>
       </p:sp>
+      <p:sp>
+        <p:nvSpPr>
+          <p:cNvPr id="2" name="Date Placeholder 1">
+            <a:extLst>
+              <a:ext uri="{FF2B5EF4-FFF2-40B4-BE49-F238E27FC236}">
+                <a16:creationId xmlns:a16="http://schemas.microsoft.com/office/drawing/2014/main" id="{1980CDE4-47CF-DD0E-9F4B-BA59FECC3636}"/>
+              </a:ext>
+            </a:extLst>
+          </p:cNvPr>
+          <p:cNvSpPr>
+            <a:spLocks noGrp="1"/>
+          </p:cNvSpPr>
+          <p:nvPr>
+            <p:ph type="dt" idx="10"/>
+          </p:nvPr>
+        </p:nvSpPr>
+        <p:spPr/>
+        <p:txBody>
+          <a:bodyPr/>
+          <a:lstStyle/>
+          <a:p>
+            <a:fld id="{11A07EDE-6B08-4F82-AF46-3A66D2763A38}" type="datetime1">
+              <a:rPr lang="en-US" smtClean="0"/>
+              <a:t>10/19/2022</a:t>
+            </a:fld>
+            <a:endParaRPr lang="en-US"/>
+          </a:p>
+        </p:txBody>
+      </p:sp>
+      <p:sp>
+        <p:nvSpPr>
+          <p:cNvPr id="3" name="Slide Number Placeholder 2">
+            <a:extLst>
+              <a:ext uri="{FF2B5EF4-FFF2-40B4-BE49-F238E27FC236}">
+                <a16:creationId xmlns:a16="http://schemas.microsoft.com/office/drawing/2014/main" id="{876241A6-A9D8-36A8-12C5-C2E31E1D89DB}"/>
+              </a:ext>
+            </a:extLst>
+          </p:cNvPr>
+          <p:cNvSpPr>
+            <a:spLocks noGrp="1"/>
+          </p:cNvSpPr>
+          <p:nvPr>
+            <p:ph type="sldNum" idx="12"/>
+          </p:nvPr>
+        </p:nvSpPr>
+        <p:spPr/>
+        <p:txBody>
+          <a:bodyPr/>
+          <a:lstStyle/>
+          <a:p>
+            <a:pPr marL="0" lvl="0" indent="0" algn="l" rtl="0">
+              <a:spcBef>
+                <a:spcPts val="0"/>
+              </a:spcBef>
+              <a:spcAft>
+                <a:spcPts val="0"/>
+              </a:spcAft>
+              <a:buNone/>
+            </a:pPr>
+            <a:fld id="{00000000-1234-1234-1234-123412341234}" type="slidenum">
+              <a:rPr lang="en-US" smtClean="0"/>
+              <a:t>14</a:t>
+            </a:fld>
+            <a:endParaRPr lang="en-US"/>
+          </a:p>
+        </p:txBody>
+      </p:sp>
     </p:spTree>
   </p:cSld>
   <p:clrMapOvr>
@@ -17589,6 +17867,73 @@
               <a:t>=IF(B105="Grass", "Yes", "No")</a:t>
             </a:r>
             <a:endParaRPr/>
+          </a:p>
+        </p:txBody>
+      </p:sp>
+      <p:sp>
+        <p:nvSpPr>
+          <p:cNvPr id="2" name="Date Placeholder 1">
+            <a:extLst>
+              <a:ext uri="{FF2B5EF4-FFF2-40B4-BE49-F238E27FC236}">
+                <a16:creationId xmlns:a16="http://schemas.microsoft.com/office/drawing/2014/main" id="{BC0FE81A-84AA-8DBA-98D7-26467F842678}"/>
+              </a:ext>
+            </a:extLst>
+          </p:cNvPr>
+          <p:cNvSpPr>
+            <a:spLocks noGrp="1"/>
+          </p:cNvSpPr>
+          <p:nvPr>
+            <p:ph type="dt" idx="10"/>
+          </p:nvPr>
+        </p:nvSpPr>
+        <p:spPr/>
+        <p:txBody>
+          <a:bodyPr/>
+          <a:lstStyle/>
+          <a:p>
+            <a:fld id="{32065A56-1FE2-4BAE-B5FF-8CD165335A06}" type="datetime1">
+              <a:rPr lang="en-US" smtClean="0"/>
+              <a:t>10/19/2022</a:t>
+            </a:fld>
+            <a:endParaRPr lang="en-US"/>
+          </a:p>
+        </p:txBody>
+      </p:sp>
+      <p:sp>
+        <p:nvSpPr>
+          <p:cNvPr id="3" name="Slide Number Placeholder 2">
+            <a:extLst>
+              <a:ext uri="{FF2B5EF4-FFF2-40B4-BE49-F238E27FC236}">
+                <a16:creationId xmlns:a16="http://schemas.microsoft.com/office/drawing/2014/main" id="{2EAC2656-2E62-45A5-F175-3B340F529A12}"/>
+              </a:ext>
+            </a:extLst>
+          </p:cNvPr>
+          <p:cNvSpPr>
+            <a:spLocks noGrp="1"/>
+          </p:cNvSpPr>
+          <p:nvPr>
+            <p:ph type="sldNum" idx="12"/>
+          </p:nvPr>
+        </p:nvSpPr>
+        <p:spPr/>
+        <p:txBody>
+          <a:bodyPr/>
+          <a:lstStyle/>
+          <a:p>
+            <a:pPr marL="0" lvl="0" indent="0" algn="l" rtl="0">
+              <a:spcBef>
+                <a:spcPts val="0"/>
+              </a:spcBef>
+              <a:spcAft>
+                <a:spcPts val="0"/>
+              </a:spcAft>
+              <a:buNone/>
+            </a:pPr>
+            <a:fld id="{00000000-1234-1234-1234-123412341234}" type="slidenum">
+              <a:rPr lang="en-US" smtClean="0"/>
+              <a:t>15</a:t>
+            </a:fld>
+            <a:endParaRPr lang="en-US"/>
           </a:p>
         </p:txBody>
       </p:sp>
@@ -18412,6 +18757,73 @@
               <a:t>"Normal", C117&lt;=50,"Slow")</a:t>
             </a:r>
             <a:endParaRPr dirty="0"/>
+          </a:p>
+        </p:txBody>
+      </p:sp>
+      <p:sp>
+        <p:nvSpPr>
+          <p:cNvPr id="2" name="Date Placeholder 1">
+            <a:extLst>
+              <a:ext uri="{FF2B5EF4-FFF2-40B4-BE49-F238E27FC236}">
+                <a16:creationId xmlns:a16="http://schemas.microsoft.com/office/drawing/2014/main" id="{8FCBD73B-072C-B7DB-C674-3500D095EEE1}"/>
+              </a:ext>
+            </a:extLst>
+          </p:cNvPr>
+          <p:cNvSpPr>
+            <a:spLocks noGrp="1"/>
+          </p:cNvSpPr>
+          <p:nvPr>
+            <p:ph type="dt" idx="10"/>
+          </p:nvPr>
+        </p:nvSpPr>
+        <p:spPr/>
+        <p:txBody>
+          <a:bodyPr/>
+          <a:lstStyle/>
+          <a:p>
+            <a:fld id="{7806326F-D7C6-4E20-ADD0-0253A604D78D}" type="datetime1">
+              <a:rPr lang="en-US" smtClean="0"/>
+              <a:t>10/19/2022</a:t>
+            </a:fld>
+            <a:endParaRPr lang="en-US"/>
+          </a:p>
+        </p:txBody>
+      </p:sp>
+      <p:sp>
+        <p:nvSpPr>
+          <p:cNvPr id="3" name="Slide Number Placeholder 2">
+            <a:extLst>
+              <a:ext uri="{FF2B5EF4-FFF2-40B4-BE49-F238E27FC236}">
+                <a16:creationId xmlns:a16="http://schemas.microsoft.com/office/drawing/2014/main" id="{08A9A714-44F8-C12E-93CA-6F8BC3FAC31C}"/>
+              </a:ext>
+            </a:extLst>
+          </p:cNvPr>
+          <p:cNvSpPr>
+            <a:spLocks noGrp="1"/>
+          </p:cNvSpPr>
+          <p:nvPr>
+            <p:ph type="sldNum" idx="12"/>
+          </p:nvPr>
+        </p:nvSpPr>
+        <p:spPr/>
+        <p:txBody>
+          <a:bodyPr/>
+          <a:lstStyle/>
+          <a:p>
+            <a:pPr marL="0" lvl="0" indent="0" algn="l" rtl="0">
+              <a:spcBef>
+                <a:spcPts val="0"/>
+              </a:spcBef>
+              <a:spcAft>
+                <a:spcPts val="0"/>
+              </a:spcAft>
+              <a:buNone/>
+            </a:pPr>
+            <a:fld id="{00000000-1234-1234-1234-123412341234}" type="slidenum">
+              <a:rPr lang="en-US" smtClean="0"/>
+              <a:t>16</a:t>
+            </a:fld>
+            <a:endParaRPr lang="en-US"/>
           </a:p>
         </p:txBody>
       </p:sp>
@@ -19507,6 +19919,73 @@
           </a:p>
         </p:txBody>
       </p:sp>
+      <p:sp>
+        <p:nvSpPr>
+          <p:cNvPr id="2" name="Date Placeholder 1">
+            <a:extLst>
+              <a:ext uri="{FF2B5EF4-FFF2-40B4-BE49-F238E27FC236}">
+                <a16:creationId xmlns:a16="http://schemas.microsoft.com/office/drawing/2014/main" id="{CB813DF4-8BFD-0651-AA7B-26302470A11D}"/>
+              </a:ext>
+            </a:extLst>
+          </p:cNvPr>
+          <p:cNvSpPr>
+            <a:spLocks noGrp="1"/>
+          </p:cNvSpPr>
+          <p:nvPr>
+            <p:ph type="dt" idx="10"/>
+          </p:nvPr>
+        </p:nvSpPr>
+        <p:spPr/>
+        <p:txBody>
+          <a:bodyPr/>
+          <a:lstStyle/>
+          <a:p>
+            <a:fld id="{A7424506-C8B8-4A5B-A3F4-596A8210327E}" type="datetime1">
+              <a:rPr lang="en-US" smtClean="0"/>
+              <a:t>10/19/2022</a:t>
+            </a:fld>
+            <a:endParaRPr lang="en-US"/>
+          </a:p>
+        </p:txBody>
+      </p:sp>
+      <p:sp>
+        <p:nvSpPr>
+          <p:cNvPr id="3" name="Slide Number Placeholder 2">
+            <a:extLst>
+              <a:ext uri="{FF2B5EF4-FFF2-40B4-BE49-F238E27FC236}">
+                <a16:creationId xmlns:a16="http://schemas.microsoft.com/office/drawing/2014/main" id="{C0E12B9E-BCA7-55EC-2985-C82172CD372E}"/>
+              </a:ext>
+            </a:extLst>
+          </p:cNvPr>
+          <p:cNvSpPr>
+            <a:spLocks noGrp="1"/>
+          </p:cNvSpPr>
+          <p:nvPr>
+            <p:ph type="sldNum" idx="12"/>
+          </p:nvPr>
+        </p:nvSpPr>
+        <p:spPr/>
+        <p:txBody>
+          <a:bodyPr/>
+          <a:lstStyle/>
+          <a:p>
+            <a:pPr marL="0" lvl="0" indent="0" algn="l" rtl="0">
+              <a:spcBef>
+                <a:spcPts val="0"/>
+              </a:spcBef>
+              <a:spcAft>
+                <a:spcPts val="0"/>
+              </a:spcAft>
+              <a:buNone/>
+            </a:pPr>
+            <a:fld id="{00000000-1234-1234-1234-123412341234}" type="slidenum">
+              <a:rPr lang="en-US" smtClean="0"/>
+              <a:t>17</a:t>
+            </a:fld>
+            <a:endParaRPr lang="en-US"/>
+          </a:p>
+        </p:txBody>
+      </p:sp>
     </p:spTree>
   </p:cSld>
   <p:clrMapOvr>
@@ -20595,6 +21074,73 @@
           </a:p>
         </p:txBody>
       </p:sp>
+      <p:sp>
+        <p:nvSpPr>
+          <p:cNvPr id="2" name="Date Placeholder 1">
+            <a:extLst>
+              <a:ext uri="{FF2B5EF4-FFF2-40B4-BE49-F238E27FC236}">
+                <a16:creationId xmlns:a16="http://schemas.microsoft.com/office/drawing/2014/main" id="{C91CD379-0182-DEE7-214B-C2AEBEF5DE08}"/>
+              </a:ext>
+            </a:extLst>
+          </p:cNvPr>
+          <p:cNvSpPr>
+            <a:spLocks noGrp="1"/>
+          </p:cNvSpPr>
+          <p:nvPr>
+            <p:ph type="dt" idx="10"/>
+          </p:nvPr>
+        </p:nvSpPr>
+        <p:spPr/>
+        <p:txBody>
+          <a:bodyPr/>
+          <a:lstStyle/>
+          <a:p>
+            <a:fld id="{8C773CE0-529A-4534-B05B-5E687B54944E}" type="datetime1">
+              <a:rPr lang="en-US" smtClean="0"/>
+              <a:t>10/19/2022</a:t>
+            </a:fld>
+            <a:endParaRPr lang="en-US"/>
+          </a:p>
+        </p:txBody>
+      </p:sp>
+      <p:sp>
+        <p:nvSpPr>
+          <p:cNvPr id="3" name="Slide Number Placeholder 2">
+            <a:extLst>
+              <a:ext uri="{FF2B5EF4-FFF2-40B4-BE49-F238E27FC236}">
+                <a16:creationId xmlns:a16="http://schemas.microsoft.com/office/drawing/2014/main" id="{71177910-AF0E-C701-45E0-218072FF777D}"/>
+              </a:ext>
+            </a:extLst>
+          </p:cNvPr>
+          <p:cNvSpPr>
+            <a:spLocks noGrp="1"/>
+          </p:cNvSpPr>
+          <p:nvPr>
+            <p:ph type="sldNum" idx="12"/>
+          </p:nvPr>
+        </p:nvSpPr>
+        <p:spPr/>
+        <p:txBody>
+          <a:bodyPr/>
+          <a:lstStyle/>
+          <a:p>
+            <a:pPr marL="0" lvl="0" indent="0" algn="l" rtl="0">
+              <a:spcBef>
+                <a:spcPts val="0"/>
+              </a:spcBef>
+              <a:spcAft>
+                <a:spcPts val="0"/>
+              </a:spcAft>
+              <a:buNone/>
+            </a:pPr>
+            <a:fld id="{00000000-1234-1234-1234-123412341234}" type="slidenum">
+              <a:rPr lang="en-US" smtClean="0"/>
+              <a:t>18</a:t>
+            </a:fld>
+            <a:endParaRPr lang="en-US"/>
+          </a:p>
+        </p:txBody>
+      </p:sp>
     </p:spTree>
   </p:cSld>
   <p:clrMapOvr>
@@ -21624,6 +22170,73 @@
               <a:t>=STDEV.S(L152:L171)</a:t>
             </a:r>
             <a:endParaRPr dirty="0"/>
+          </a:p>
+        </p:txBody>
+      </p:sp>
+      <p:sp>
+        <p:nvSpPr>
+          <p:cNvPr id="2" name="Date Placeholder 1">
+            <a:extLst>
+              <a:ext uri="{FF2B5EF4-FFF2-40B4-BE49-F238E27FC236}">
+                <a16:creationId xmlns:a16="http://schemas.microsoft.com/office/drawing/2014/main" id="{579EDD43-7BDA-F222-B42B-CC3D20C9013E}"/>
+              </a:ext>
+            </a:extLst>
+          </p:cNvPr>
+          <p:cNvSpPr>
+            <a:spLocks noGrp="1"/>
+          </p:cNvSpPr>
+          <p:nvPr>
+            <p:ph type="dt" idx="10"/>
+          </p:nvPr>
+        </p:nvSpPr>
+        <p:spPr/>
+        <p:txBody>
+          <a:bodyPr/>
+          <a:lstStyle/>
+          <a:p>
+            <a:fld id="{3CFF49EB-8868-425A-9F4A-720EE9126639}" type="datetime1">
+              <a:rPr lang="en-US" smtClean="0"/>
+              <a:t>10/19/2022</a:t>
+            </a:fld>
+            <a:endParaRPr lang="en-US"/>
+          </a:p>
+        </p:txBody>
+      </p:sp>
+      <p:sp>
+        <p:nvSpPr>
+          <p:cNvPr id="3" name="Slide Number Placeholder 2">
+            <a:extLst>
+              <a:ext uri="{FF2B5EF4-FFF2-40B4-BE49-F238E27FC236}">
+                <a16:creationId xmlns:a16="http://schemas.microsoft.com/office/drawing/2014/main" id="{36146A51-34E9-D816-FD95-C64C8855BAD1}"/>
+              </a:ext>
+            </a:extLst>
+          </p:cNvPr>
+          <p:cNvSpPr>
+            <a:spLocks noGrp="1"/>
+          </p:cNvSpPr>
+          <p:nvPr>
+            <p:ph type="sldNum" idx="12"/>
+          </p:nvPr>
+        </p:nvSpPr>
+        <p:spPr/>
+        <p:txBody>
+          <a:bodyPr/>
+          <a:lstStyle/>
+          <a:p>
+            <a:pPr marL="0" lvl="0" indent="0" algn="l" rtl="0">
+              <a:spcBef>
+                <a:spcPts val="0"/>
+              </a:spcBef>
+              <a:spcAft>
+                <a:spcPts val="0"/>
+              </a:spcAft>
+              <a:buNone/>
+            </a:pPr>
+            <a:fld id="{00000000-1234-1234-1234-123412341234}" type="slidenum">
+              <a:rPr lang="en-US" smtClean="0"/>
+              <a:t>19</a:t>
+            </a:fld>
+            <a:endParaRPr lang="en-US"/>
           </a:p>
         </p:txBody>
       </p:sp>
@@ -23178,6 +23791,73 @@
           </a:p>
         </p:txBody>
       </p:sp>
+      <p:sp>
+        <p:nvSpPr>
+          <p:cNvPr id="2" name="Date Placeholder 1">
+            <a:extLst>
+              <a:ext uri="{FF2B5EF4-FFF2-40B4-BE49-F238E27FC236}">
+                <a16:creationId xmlns:a16="http://schemas.microsoft.com/office/drawing/2014/main" id="{1EA9836B-D35F-D122-7147-6DB840A016E2}"/>
+              </a:ext>
+            </a:extLst>
+          </p:cNvPr>
+          <p:cNvSpPr>
+            <a:spLocks noGrp="1"/>
+          </p:cNvSpPr>
+          <p:nvPr>
+            <p:ph type="dt" idx="10"/>
+          </p:nvPr>
+        </p:nvSpPr>
+        <p:spPr/>
+        <p:txBody>
+          <a:bodyPr/>
+          <a:lstStyle/>
+          <a:p>
+            <a:fld id="{630A2725-5AD6-47D8-8562-BF75C519B1AA}" type="datetime1">
+              <a:rPr lang="en-US" smtClean="0"/>
+              <a:t>10/19/2022</a:t>
+            </a:fld>
+            <a:endParaRPr lang="en-US"/>
+          </a:p>
+        </p:txBody>
+      </p:sp>
+      <p:sp>
+        <p:nvSpPr>
+          <p:cNvPr id="3" name="Slide Number Placeholder 2">
+            <a:extLst>
+              <a:ext uri="{FF2B5EF4-FFF2-40B4-BE49-F238E27FC236}">
+                <a16:creationId xmlns:a16="http://schemas.microsoft.com/office/drawing/2014/main" id="{A2BE9570-C3A5-8EC5-9E92-B16067D0711D}"/>
+              </a:ext>
+            </a:extLst>
+          </p:cNvPr>
+          <p:cNvSpPr>
+            <a:spLocks noGrp="1"/>
+          </p:cNvSpPr>
+          <p:nvPr>
+            <p:ph type="sldNum" idx="12"/>
+          </p:nvPr>
+        </p:nvSpPr>
+        <p:spPr/>
+        <p:txBody>
+          <a:bodyPr/>
+          <a:lstStyle/>
+          <a:p>
+            <a:pPr marL="0" lvl="0" indent="0" algn="l" rtl="0">
+              <a:spcBef>
+                <a:spcPts val="0"/>
+              </a:spcBef>
+              <a:spcAft>
+                <a:spcPts val="0"/>
+              </a:spcAft>
+              <a:buNone/>
+            </a:pPr>
+            <a:fld id="{00000000-1234-1234-1234-123412341234}" type="slidenum">
+              <a:rPr lang="en-US" smtClean="0"/>
+              <a:t>20</a:t>
+            </a:fld>
+            <a:endParaRPr lang="en-US"/>
+          </a:p>
+        </p:txBody>
+      </p:sp>
     </p:spTree>
   </p:cSld>
   <p:clrMapOvr>
@@ -24187,6 +24867,73 @@
               <a:t>=XOR(B231="fire",C231&lt;60)</a:t>
             </a:r>
             <a:endParaRPr sz="3200" dirty="0"/>
+          </a:p>
+        </p:txBody>
+      </p:sp>
+      <p:sp>
+        <p:nvSpPr>
+          <p:cNvPr id="2" name="Date Placeholder 1">
+            <a:extLst>
+              <a:ext uri="{FF2B5EF4-FFF2-40B4-BE49-F238E27FC236}">
+                <a16:creationId xmlns:a16="http://schemas.microsoft.com/office/drawing/2014/main" id="{04EFE794-CB02-DE2B-FCD3-E1C723FEA8EC}"/>
+              </a:ext>
+            </a:extLst>
+          </p:cNvPr>
+          <p:cNvSpPr>
+            <a:spLocks noGrp="1"/>
+          </p:cNvSpPr>
+          <p:nvPr>
+            <p:ph type="dt" idx="10"/>
+          </p:nvPr>
+        </p:nvSpPr>
+        <p:spPr/>
+        <p:txBody>
+          <a:bodyPr/>
+          <a:lstStyle/>
+          <a:p>
+            <a:fld id="{00223985-11C8-4280-B585-8864FF005FB4}" type="datetime1">
+              <a:rPr lang="en-US" smtClean="0"/>
+              <a:t>10/19/2022</a:t>
+            </a:fld>
+            <a:endParaRPr lang="en-US"/>
+          </a:p>
+        </p:txBody>
+      </p:sp>
+      <p:sp>
+        <p:nvSpPr>
+          <p:cNvPr id="3" name="Slide Number Placeholder 2">
+            <a:extLst>
+              <a:ext uri="{FF2B5EF4-FFF2-40B4-BE49-F238E27FC236}">
+                <a16:creationId xmlns:a16="http://schemas.microsoft.com/office/drawing/2014/main" id="{C135DD63-B83D-3858-EB7B-8F990770AC81}"/>
+              </a:ext>
+            </a:extLst>
+          </p:cNvPr>
+          <p:cNvSpPr>
+            <a:spLocks noGrp="1"/>
+          </p:cNvSpPr>
+          <p:nvPr>
+            <p:ph type="sldNum" idx="12"/>
+          </p:nvPr>
+        </p:nvSpPr>
+        <p:spPr/>
+        <p:txBody>
+          <a:bodyPr/>
+          <a:lstStyle/>
+          <a:p>
+            <a:pPr marL="0" lvl="0" indent="0" algn="l" rtl="0">
+              <a:spcBef>
+                <a:spcPts val="0"/>
+              </a:spcBef>
+              <a:spcAft>
+                <a:spcPts val="0"/>
+              </a:spcAft>
+              <a:buNone/>
+            </a:pPr>
+            <a:fld id="{00000000-1234-1234-1234-123412341234}" type="slidenum">
+              <a:rPr lang="en-US" smtClean="0"/>
+              <a:t>21</a:t>
+            </a:fld>
+            <a:endParaRPr lang="en-US"/>
           </a:p>
         </p:txBody>
       </p:sp>
@@ -25153,6 +25900,73 @@
           </a:p>
         </p:txBody>
       </p:sp>
+      <p:sp>
+        <p:nvSpPr>
+          <p:cNvPr id="2" name="Date Placeholder 1">
+            <a:extLst>
+              <a:ext uri="{FF2B5EF4-FFF2-40B4-BE49-F238E27FC236}">
+                <a16:creationId xmlns:a16="http://schemas.microsoft.com/office/drawing/2014/main" id="{D5E5EB05-8E9F-908E-6900-D13F2618FFDD}"/>
+              </a:ext>
+            </a:extLst>
+          </p:cNvPr>
+          <p:cNvSpPr>
+            <a:spLocks noGrp="1"/>
+          </p:cNvSpPr>
+          <p:nvPr>
+            <p:ph type="dt" idx="10"/>
+          </p:nvPr>
+        </p:nvSpPr>
+        <p:spPr/>
+        <p:txBody>
+          <a:bodyPr/>
+          <a:lstStyle/>
+          <a:p>
+            <a:fld id="{8A008D37-C7BF-48DE-91B4-8FDAA51E2061}" type="datetime1">
+              <a:rPr lang="en-US" smtClean="0"/>
+              <a:t>10/19/2022</a:t>
+            </a:fld>
+            <a:endParaRPr lang="en-US"/>
+          </a:p>
+        </p:txBody>
+      </p:sp>
+      <p:sp>
+        <p:nvSpPr>
+          <p:cNvPr id="3" name="Slide Number Placeholder 2">
+            <a:extLst>
+              <a:ext uri="{FF2B5EF4-FFF2-40B4-BE49-F238E27FC236}">
+                <a16:creationId xmlns:a16="http://schemas.microsoft.com/office/drawing/2014/main" id="{62117E81-3A14-85F3-BE8C-C8ACEB4B8C13}"/>
+              </a:ext>
+            </a:extLst>
+          </p:cNvPr>
+          <p:cNvSpPr>
+            <a:spLocks noGrp="1"/>
+          </p:cNvSpPr>
+          <p:nvPr>
+            <p:ph type="sldNum" idx="12"/>
+          </p:nvPr>
+        </p:nvSpPr>
+        <p:spPr/>
+        <p:txBody>
+          <a:bodyPr/>
+          <a:lstStyle/>
+          <a:p>
+            <a:pPr marL="0" lvl="0" indent="0" algn="l" rtl="0">
+              <a:spcBef>
+                <a:spcPts val="0"/>
+              </a:spcBef>
+              <a:spcAft>
+                <a:spcPts val="0"/>
+              </a:spcAft>
+              <a:buNone/>
+            </a:pPr>
+            <a:fld id="{00000000-1234-1234-1234-123412341234}" type="slidenum">
+              <a:rPr lang="en-US" smtClean="0"/>
+              <a:t>22</a:t>
+            </a:fld>
+            <a:endParaRPr lang="en-US"/>
+          </a:p>
+        </p:txBody>
+      </p:sp>
     </p:spTree>
   </p:cSld>
   <p:clrMapOvr>
@@ -25664,6 +26478,73 @@
               <a:t>	</a:t>
             </a:r>
             <a:endParaRPr dirty="0"/>
+          </a:p>
+        </p:txBody>
+      </p:sp>
+      <p:sp>
+        <p:nvSpPr>
+          <p:cNvPr id="2" name="Date Placeholder 1">
+            <a:extLst>
+              <a:ext uri="{FF2B5EF4-FFF2-40B4-BE49-F238E27FC236}">
+                <a16:creationId xmlns:a16="http://schemas.microsoft.com/office/drawing/2014/main" id="{6E59FEB2-3358-115D-A8A0-1C9712BFB839}"/>
+              </a:ext>
+            </a:extLst>
+          </p:cNvPr>
+          <p:cNvSpPr>
+            <a:spLocks noGrp="1"/>
+          </p:cNvSpPr>
+          <p:nvPr>
+            <p:ph type="dt" idx="10"/>
+          </p:nvPr>
+        </p:nvSpPr>
+        <p:spPr/>
+        <p:txBody>
+          <a:bodyPr/>
+          <a:lstStyle/>
+          <a:p>
+            <a:fld id="{69477221-D26A-4E53-A46E-B382FF5FD0B0}" type="datetime1">
+              <a:rPr lang="en-US" smtClean="0"/>
+              <a:t>10/19/2022</a:t>
+            </a:fld>
+            <a:endParaRPr lang="en-US"/>
+          </a:p>
+        </p:txBody>
+      </p:sp>
+      <p:sp>
+        <p:nvSpPr>
+          <p:cNvPr id="3" name="Slide Number Placeholder 2">
+            <a:extLst>
+              <a:ext uri="{FF2B5EF4-FFF2-40B4-BE49-F238E27FC236}">
+                <a16:creationId xmlns:a16="http://schemas.microsoft.com/office/drawing/2014/main" id="{D7824DAD-D4FA-F66A-B15B-98EA81E599CA}"/>
+              </a:ext>
+            </a:extLst>
+          </p:cNvPr>
+          <p:cNvSpPr>
+            <a:spLocks noGrp="1"/>
+          </p:cNvSpPr>
+          <p:nvPr>
+            <p:ph type="sldNum" idx="12"/>
+          </p:nvPr>
+        </p:nvSpPr>
+        <p:spPr/>
+        <p:txBody>
+          <a:bodyPr/>
+          <a:lstStyle/>
+          <a:p>
+            <a:pPr marL="0" lvl="0" indent="0" algn="l" rtl="0">
+              <a:spcBef>
+                <a:spcPts val="0"/>
+              </a:spcBef>
+              <a:spcAft>
+                <a:spcPts val="0"/>
+              </a:spcAft>
+              <a:buNone/>
+            </a:pPr>
+            <a:fld id="{00000000-1234-1234-1234-123412341234}" type="slidenum">
+              <a:rPr lang="en-US" smtClean="0"/>
+              <a:t>23</a:t>
+            </a:fld>
+            <a:endParaRPr lang="en-US"/>
           </a:p>
         </p:txBody>
       </p:sp>
@@ -26617,6 +27498,73 @@
           </a:p>
         </p:txBody>
       </p:sp>
+      <p:sp>
+        <p:nvSpPr>
+          <p:cNvPr id="2" name="Date Placeholder 1">
+            <a:extLst>
+              <a:ext uri="{FF2B5EF4-FFF2-40B4-BE49-F238E27FC236}">
+                <a16:creationId xmlns:a16="http://schemas.microsoft.com/office/drawing/2014/main" id="{2B6553DF-FD78-BD3B-D06E-8D942C12D76F}"/>
+              </a:ext>
+            </a:extLst>
+          </p:cNvPr>
+          <p:cNvSpPr>
+            <a:spLocks noGrp="1"/>
+          </p:cNvSpPr>
+          <p:nvPr>
+            <p:ph type="dt" idx="10"/>
+          </p:nvPr>
+        </p:nvSpPr>
+        <p:spPr/>
+        <p:txBody>
+          <a:bodyPr/>
+          <a:lstStyle/>
+          <a:p>
+            <a:fld id="{6FF9C208-569C-4C82-B885-0992C2D1EAA2}" type="datetime1">
+              <a:rPr lang="en-US" smtClean="0"/>
+              <a:t>10/19/2022</a:t>
+            </a:fld>
+            <a:endParaRPr lang="en-US"/>
+          </a:p>
+        </p:txBody>
+      </p:sp>
+      <p:sp>
+        <p:nvSpPr>
+          <p:cNvPr id="3" name="Slide Number Placeholder 2">
+            <a:extLst>
+              <a:ext uri="{FF2B5EF4-FFF2-40B4-BE49-F238E27FC236}">
+                <a16:creationId xmlns:a16="http://schemas.microsoft.com/office/drawing/2014/main" id="{21AF3637-8930-4277-BDE1-C6875A5944D7}"/>
+              </a:ext>
+            </a:extLst>
+          </p:cNvPr>
+          <p:cNvSpPr>
+            <a:spLocks noGrp="1"/>
+          </p:cNvSpPr>
+          <p:nvPr>
+            <p:ph type="sldNum" idx="12"/>
+          </p:nvPr>
+        </p:nvSpPr>
+        <p:spPr/>
+        <p:txBody>
+          <a:bodyPr/>
+          <a:lstStyle/>
+          <a:p>
+            <a:pPr marL="0" lvl="0" indent="0" algn="l" rtl="0">
+              <a:spcBef>
+                <a:spcPts val="0"/>
+              </a:spcBef>
+              <a:spcAft>
+                <a:spcPts val="0"/>
+              </a:spcAft>
+              <a:buNone/>
+            </a:pPr>
+            <a:fld id="{00000000-1234-1234-1234-123412341234}" type="slidenum">
+              <a:rPr lang="en-US" smtClean="0"/>
+              <a:t>24</a:t>
+            </a:fld>
+            <a:endParaRPr lang="en-US"/>
+          </a:p>
+        </p:txBody>
+      </p:sp>
     </p:spTree>
   </p:cSld>
   <p:clrMapOvr>
@@ -27352,6 +28300,73 @@
                 <a:srgbClr val="0070C0"/>
               </a:solidFill>
             </a:endParaRPr>
+          </a:p>
+        </p:txBody>
+      </p:sp>
+      <p:sp>
+        <p:nvSpPr>
+          <p:cNvPr id="2" name="Date Placeholder 1">
+            <a:extLst>
+              <a:ext uri="{FF2B5EF4-FFF2-40B4-BE49-F238E27FC236}">
+                <a16:creationId xmlns:a16="http://schemas.microsoft.com/office/drawing/2014/main" id="{2FB5D555-2E4A-52E7-4578-8210B53F9AA5}"/>
+              </a:ext>
+            </a:extLst>
+          </p:cNvPr>
+          <p:cNvSpPr>
+            <a:spLocks noGrp="1"/>
+          </p:cNvSpPr>
+          <p:nvPr>
+            <p:ph type="dt" idx="10"/>
+          </p:nvPr>
+        </p:nvSpPr>
+        <p:spPr/>
+        <p:txBody>
+          <a:bodyPr/>
+          <a:lstStyle/>
+          <a:p>
+            <a:fld id="{D47877F4-EBDD-4913-B469-B94D0F63A9EA}" type="datetime1">
+              <a:rPr lang="en-US" smtClean="0"/>
+              <a:t>10/19/2022</a:t>
+            </a:fld>
+            <a:endParaRPr lang="en-US"/>
+          </a:p>
+        </p:txBody>
+      </p:sp>
+      <p:sp>
+        <p:nvSpPr>
+          <p:cNvPr id="3" name="Slide Number Placeholder 2">
+            <a:extLst>
+              <a:ext uri="{FF2B5EF4-FFF2-40B4-BE49-F238E27FC236}">
+                <a16:creationId xmlns:a16="http://schemas.microsoft.com/office/drawing/2014/main" id="{952484C0-81C4-4F0F-1E95-A96B00360669}"/>
+              </a:ext>
+            </a:extLst>
+          </p:cNvPr>
+          <p:cNvSpPr>
+            <a:spLocks noGrp="1"/>
+          </p:cNvSpPr>
+          <p:nvPr>
+            <p:ph type="sldNum" idx="12"/>
+          </p:nvPr>
+        </p:nvSpPr>
+        <p:spPr/>
+        <p:txBody>
+          <a:bodyPr/>
+          <a:lstStyle/>
+          <a:p>
+            <a:pPr marL="0" lvl="0" indent="0" algn="l" rtl="0">
+              <a:spcBef>
+                <a:spcPts val="0"/>
+              </a:spcBef>
+              <a:spcAft>
+                <a:spcPts val="0"/>
+              </a:spcAft>
+              <a:buNone/>
+            </a:pPr>
+            <a:fld id="{00000000-1234-1234-1234-123412341234}" type="slidenum">
+              <a:rPr lang="en-US" smtClean="0"/>
+              <a:t>25</a:t>
+            </a:fld>
+            <a:endParaRPr lang="en-US"/>
           </a:p>
         </p:txBody>
       </p:sp>
@@ -28337,6 +29352,73 @@
           </a:p>
         </p:txBody>
       </p:sp>
+      <p:sp>
+        <p:nvSpPr>
+          <p:cNvPr id="2" name="Date Placeholder 1">
+            <a:extLst>
+              <a:ext uri="{FF2B5EF4-FFF2-40B4-BE49-F238E27FC236}">
+                <a16:creationId xmlns:a16="http://schemas.microsoft.com/office/drawing/2014/main" id="{8401965B-6E5C-F51F-7163-01F3FE39F458}"/>
+              </a:ext>
+            </a:extLst>
+          </p:cNvPr>
+          <p:cNvSpPr>
+            <a:spLocks noGrp="1"/>
+          </p:cNvSpPr>
+          <p:nvPr>
+            <p:ph type="dt" idx="10"/>
+          </p:nvPr>
+        </p:nvSpPr>
+        <p:spPr/>
+        <p:txBody>
+          <a:bodyPr/>
+          <a:lstStyle/>
+          <a:p>
+            <a:fld id="{451B6A16-780D-4DA0-B4B8-9402B42C94CA}" type="datetime1">
+              <a:rPr lang="en-US" smtClean="0"/>
+              <a:t>10/19/2022</a:t>
+            </a:fld>
+            <a:endParaRPr lang="en-US"/>
+          </a:p>
+        </p:txBody>
+      </p:sp>
+      <p:sp>
+        <p:nvSpPr>
+          <p:cNvPr id="3" name="Slide Number Placeholder 2">
+            <a:extLst>
+              <a:ext uri="{FF2B5EF4-FFF2-40B4-BE49-F238E27FC236}">
+                <a16:creationId xmlns:a16="http://schemas.microsoft.com/office/drawing/2014/main" id="{ECB35B12-1F04-98F9-96A7-C784F63D27A7}"/>
+              </a:ext>
+            </a:extLst>
+          </p:cNvPr>
+          <p:cNvSpPr>
+            <a:spLocks noGrp="1"/>
+          </p:cNvSpPr>
+          <p:nvPr>
+            <p:ph type="sldNum" idx="12"/>
+          </p:nvPr>
+        </p:nvSpPr>
+        <p:spPr/>
+        <p:txBody>
+          <a:bodyPr/>
+          <a:lstStyle/>
+          <a:p>
+            <a:pPr marL="0" lvl="0" indent="0" algn="l" rtl="0">
+              <a:spcBef>
+                <a:spcPts val="0"/>
+              </a:spcBef>
+              <a:spcAft>
+                <a:spcPts val="0"/>
+              </a:spcAft>
+              <a:buNone/>
+            </a:pPr>
+            <a:fld id="{00000000-1234-1234-1234-123412341234}" type="slidenum">
+              <a:rPr lang="en-US" smtClean="0"/>
+              <a:t>26</a:t>
+            </a:fld>
+            <a:endParaRPr lang="en-US"/>
+          </a:p>
+        </p:txBody>
+      </p:sp>
     </p:spTree>
   </p:cSld>
   <p:clrMapOvr>
@@ -29215,6 +30297,73 @@
           </a:p>
         </p:txBody>
       </p:sp>
+      <p:sp>
+        <p:nvSpPr>
+          <p:cNvPr id="2" name="Date Placeholder 1">
+            <a:extLst>
+              <a:ext uri="{FF2B5EF4-FFF2-40B4-BE49-F238E27FC236}">
+                <a16:creationId xmlns:a16="http://schemas.microsoft.com/office/drawing/2014/main" id="{093EA0FF-2802-2004-FF98-820D8963870E}"/>
+              </a:ext>
+            </a:extLst>
+          </p:cNvPr>
+          <p:cNvSpPr>
+            <a:spLocks noGrp="1"/>
+          </p:cNvSpPr>
+          <p:nvPr>
+            <p:ph type="dt" idx="10"/>
+          </p:nvPr>
+        </p:nvSpPr>
+        <p:spPr/>
+        <p:txBody>
+          <a:bodyPr/>
+          <a:lstStyle/>
+          <a:p>
+            <a:fld id="{BD2A13DE-51FF-4579-AAC5-4C0E32644EBD}" type="datetime1">
+              <a:rPr lang="en-US" smtClean="0"/>
+              <a:t>10/19/2022</a:t>
+            </a:fld>
+            <a:endParaRPr lang="en-US"/>
+          </a:p>
+        </p:txBody>
+      </p:sp>
+      <p:sp>
+        <p:nvSpPr>
+          <p:cNvPr id="3" name="Slide Number Placeholder 2">
+            <a:extLst>
+              <a:ext uri="{FF2B5EF4-FFF2-40B4-BE49-F238E27FC236}">
+                <a16:creationId xmlns:a16="http://schemas.microsoft.com/office/drawing/2014/main" id="{24C59331-85EB-7185-8B40-508D4D0647EB}"/>
+              </a:ext>
+            </a:extLst>
+          </p:cNvPr>
+          <p:cNvSpPr>
+            <a:spLocks noGrp="1"/>
+          </p:cNvSpPr>
+          <p:nvPr>
+            <p:ph type="sldNum" idx="12"/>
+          </p:nvPr>
+        </p:nvSpPr>
+        <p:spPr/>
+        <p:txBody>
+          <a:bodyPr/>
+          <a:lstStyle/>
+          <a:p>
+            <a:pPr marL="0" lvl="0" indent="0" algn="l" rtl="0">
+              <a:spcBef>
+                <a:spcPts val="0"/>
+              </a:spcBef>
+              <a:spcAft>
+                <a:spcPts val="0"/>
+              </a:spcAft>
+              <a:buNone/>
+            </a:pPr>
+            <a:fld id="{00000000-1234-1234-1234-123412341234}" type="slidenum">
+              <a:rPr lang="en-US" smtClean="0"/>
+              <a:t>27</a:t>
+            </a:fld>
+            <a:endParaRPr lang="en-US"/>
+          </a:p>
+        </p:txBody>
+      </p:sp>
     </p:spTree>
   </p:cSld>
   <p:clrMapOvr>
@@ -29874,6 +31023,73 @@
               <a:t>- Select recommended Charts</a:t>
             </a:r>
             <a:endParaRPr sz="2400" dirty="0"/>
+          </a:p>
+        </p:txBody>
+      </p:sp>
+      <p:sp>
+        <p:nvSpPr>
+          <p:cNvPr id="2" name="Date Placeholder 1">
+            <a:extLst>
+              <a:ext uri="{FF2B5EF4-FFF2-40B4-BE49-F238E27FC236}">
+                <a16:creationId xmlns:a16="http://schemas.microsoft.com/office/drawing/2014/main" id="{B12867D5-27EC-C189-B796-63787D11DDF8}"/>
+              </a:ext>
+            </a:extLst>
+          </p:cNvPr>
+          <p:cNvSpPr>
+            <a:spLocks noGrp="1"/>
+          </p:cNvSpPr>
+          <p:nvPr>
+            <p:ph type="dt" idx="10"/>
+          </p:nvPr>
+        </p:nvSpPr>
+        <p:spPr/>
+        <p:txBody>
+          <a:bodyPr/>
+          <a:lstStyle/>
+          <a:p>
+            <a:fld id="{EE1AFD9E-3F3B-4800-BC74-340EF728DF76}" type="datetime1">
+              <a:rPr lang="en-US" smtClean="0"/>
+              <a:t>10/19/2022</a:t>
+            </a:fld>
+            <a:endParaRPr lang="en-US"/>
+          </a:p>
+        </p:txBody>
+      </p:sp>
+      <p:sp>
+        <p:nvSpPr>
+          <p:cNvPr id="3" name="Slide Number Placeholder 2">
+            <a:extLst>
+              <a:ext uri="{FF2B5EF4-FFF2-40B4-BE49-F238E27FC236}">
+                <a16:creationId xmlns:a16="http://schemas.microsoft.com/office/drawing/2014/main" id="{76254010-C12B-E8DE-EBC4-510B4019BE2A}"/>
+              </a:ext>
+            </a:extLst>
+          </p:cNvPr>
+          <p:cNvSpPr>
+            <a:spLocks noGrp="1"/>
+          </p:cNvSpPr>
+          <p:nvPr>
+            <p:ph type="sldNum" idx="12"/>
+          </p:nvPr>
+        </p:nvSpPr>
+        <p:spPr/>
+        <p:txBody>
+          <a:bodyPr/>
+          <a:lstStyle/>
+          <a:p>
+            <a:pPr marL="0" lvl="0" indent="0" algn="l" rtl="0">
+              <a:spcBef>
+                <a:spcPts val="0"/>
+              </a:spcBef>
+              <a:spcAft>
+                <a:spcPts val="0"/>
+              </a:spcAft>
+              <a:buNone/>
+            </a:pPr>
+            <a:fld id="{00000000-1234-1234-1234-123412341234}" type="slidenum">
+              <a:rPr lang="en-US" smtClean="0"/>
+              <a:t>28</a:t>
+            </a:fld>
+            <a:endParaRPr lang="en-US"/>
           </a:p>
         </p:txBody>
       </p:sp>
@@ -30519,6 +31735,73 @@
           </a:p>
         </p:txBody>
       </p:sp>
+      <p:sp>
+        <p:nvSpPr>
+          <p:cNvPr id="2" name="Date Placeholder 1">
+            <a:extLst>
+              <a:ext uri="{FF2B5EF4-FFF2-40B4-BE49-F238E27FC236}">
+                <a16:creationId xmlns:a16="http://schemas.microsoft.com/office/drawing/2014/main" id="{0A0A1104-1DE4-7E51-9EA7-7E6DFB9317F2}"/>
+              </a:ext>
+            </a:extLst>
+          </p:cNvPr>
+          <p:cNvSpPr>
+            <a:spLocks noGrp="1"/>
+          </p:cNvSpPr>
+          <p:nvPr>
+            <p:ph type="dt" idx="10"/>
+          </p:nvPr>
+        </p:nvSpPr>
+        <p:spPr/>
+        <p:txBody>
+          <a:bodyPr/>
+          <a:lstStyle/>
+          <a:p>
+            <a:fld id="{F72812D3-00D6-41A9-956A-924306A6FBFD}" type="datetime1">
+              <a:rPr lang="en-US" smtClean="0"/>
+              <a:t>10/19/2022</a:t>
+            </a:fld>
+            <a:endParaRPr lang="en-US"/>
+          </a:p>
+        </p:txBody>
+      </p:sp>
+      <p:sp>
+        <p:nvSpPr>
+          <p:cNvPr id="3" name="Slide Number Placeholder 2">
+            <a:extLst>
+              <a:ext uri="{FF2B5EF4-FFF2-40B4-BE49-F238E27FC236}">
+                <a16:creationId xmlns:a16="http://schemas.microsoft.com/office/drawing/2014/main" id="{CDF24560-B26B-1FA1-1BEF-64458C1A8407}"/>
+              </a:ext>
+            </a:extLst>
+          </p:cNvPr>
+          <p:cNvSpPr>
+            <a:spLocks noGrp="1"/>
+          </p:cNvSpPr>
+          <p:nvPr>
+            <p:ph type="sldNum" idx="12"/>
+          </p:nvPr>
+        </p:nvSpPr>
+        <p:spPr/>
+        <p:txBody>
+          <a:bodyPr/>
+          <a:lstStyle/>
+          <a:p>
+            <a:pPr marL="0" lvl="0" indent="0" algn="l" rtl="0">
+              <a:spcBef>
+                <a:spcPts val="0"/>
+              </a:spcBef>
+              <a:spcAft>
+                <a:spcPts val="0"/>
+              </a:spcAft>
+              <a:buNone/>
+            </a:pPr>
+            <a:fld id="{00000000-1234-1234-1234-123412341234}" type="slidenum">
+              <a:rPr lang="en-US" smtClean="0"/>
+              <a:t>3</a:t>
+            </a:fld>
+            <a:endParaRPr lang="en-US"/>
+          </a:p>
+        </p:txBody>
+      </p:sp>
     </p:spTree>
     <p:extLst>
       <p:ext uri="{BB962C8B-B14F-4D97-AF65-F5344CB8AC3E}">
@@ -31619,6 +32902,73 @@
           </a:p>
         </p:txBody>
       </p:sp>
+      <p:sp>
+        <p:nvSpPr>
+          <p:cNvPr id="2" name="Date Placeholder 1">
+            <a:extLst>
+              <a:ext uri="{FF2B5EF4-FFF2-40B4-BE49-F238E27FC236}">
+                <a16:creationId xmlns:a16="http://schemas.microsoft.com/office/drawing/2014/main" id="{344A51B4-9346-E30E-E328-39C5FCAE21A1}"/>
+              </a:ext>
+            </a:extLst>
+          </p:cNvPr>
+          <p:cNvSpPr>
+            <a:spLocks noGrp="1"/>
+          </p:cNvSpPr>
+          <p:nvPr>
+            <p:ph type="dt" idx="10"/>
+          </p:nvPr>
+        </p:nvSpPr>
+        <p:spPr/>
+        <p:txBody>
+          <a:bodyPr/>
+          <a:lstStyle/>
+          <a:p>
+            <a:fld id="{09C4297C-42E8-4619-8553-F1334BC35401}" type="datetime1">
+              <a:rPr lang="en-US" smtClean="0"/>
+              <a:t>10/19/2022</a:t>
+            </a:fld>
+            <a:endParaRPr lang="en-US"/>
+          </a:p>
+        </p:txBody>
+      </p:sp>
+      <p:sp>
+        <p:nvSpPr>
+          <p:cNvPr id="3" name="Slide Number Placeholder 2">
+            <a:extLst>
+              <a:ext uri="{FF2B5EF4-FFF2-40B4-BE49-F238E27FC236}">
+                <a16:creationId xmlns:a16="http://schemas.microsoft.com/office/drawing/2014/main" id="{08BCFCFD-AEFA-CE23-10E7-7836F00B4E5F}"/>
+              </a:ext>
+            </a:extLst>
+          </p:cNvPr>
+          <p:cNvSpPr>
+            <a:spLocks noGrp="1"/>
+          </p:cNvSpPr>
+          <p:nvPr>
+            <p:ph type="sldNum" idx="12"/>
+          </p:nvPr>
+        </p:nvSpPr>
+        <p:spPr/>
+        <p:txBody>
+          <a:bodyPr/>
+          <a:lstStyle/>
+          <a:p>
+            <a:pPr marL="0" lvl="0" indent="0" algn="l" rtl="0">
+              <a:spcBef>
+                <a:spcPts val="0"/>
+              </a:spcBef>
+              <a:spcAft>
+                <a:spcPts val="0"/>
+              </a:spcAft>
+              <a:buNone/>
+            </a:pPr>
+            <a:fld id="{00000000-1234-1234-1234-123412341234}" type="slidenum">
+              <a:rPr lang="en-US" smtClean="0"/>
+              <a:t>6</a:t>
+            </a:fld>
+            <a:endParaRPr lang="en-US"/>
+          </a:p>
+        </p:txBody>
+      </p:sp>
     </p:spTree>
   </p:cSld>
   <p:clrMapOvr>
@@ -31828,6 +33178,73 @@
               <a:t> </a:t>
             </a:r>
             <a:endParaRPr dirty="0"/>
+          </a:p>
+        </p:txBody>
+      </p:sp>
+      <p:sp>
+        <p:nvSpPr>
+          <p:cNvPr id="2" name="Date Placeholder 1">
+            <a:extLst>
+              <a:ext uri="{FF2B5EF4-FFF2-40B4-BE49-F238E27FC236}">
+                <a16:creationId xmlns:a16="http://schemas.microsoft.com/office/drawing/2014/main" id="{D06A04CF-8202-FBAB-A546-A2C7226C1B5F}"/>
+              </a:ext>
+            </a:extLst>
+          </p:cNvPr>
+          <p:cNvSpPr>
+            <a:spLocks noGrp="1"/>
+          </p:cNvSpPr>
+          <p:nvPr>
+            <p:ph type="dt" idx="10"/>
+          </p:nvPr>
+        </p:nvSpPr>
+        <p:spPr/>
+        <p:txBody>
+          <a:bodyPr/>
+          <a:lstStyle/>
+          <a:p>
+            <a:fld id="{BF705EF5-4CE7-4A42-8AC2-14FFE2778656}" type="datetime1">
+              <a:rPr lang="en-US" smtClean="0"/>
+              <a:t>10/19/2022</a:t>
+            </a:fld>
+            <a:endParaRPr lang="en-US"/>
+          </a:p>
+        </p:txBody>
+      </p:sp>
+      <p:sp>
+        <p:nvSpPr>
+          <p:cNvPr id="3" name="Slide Number Placeholder 2">
+            <a:extLst>
+              <a:ext uri="{FF2B5EF4-FFF2-40B4-BE49-F238E27FC236}">
+                <a16:creationId xmlns:a16="http://schemas.microsoft.com/office/drawing/2014/main" id="{8AA17F50-5A2F-53F4-96D0-3C713F555A06}"/>
+              </a:ext>
+            </a:extLst>
+          </p:cNvPr>
+          <p:cNvSpPr>
+            <a:spLocks noGrp="1"/>
+          </p:cNvSpPr>
+          <p:nvPr>
+            <p:ph type="sldNum" idx="12"/>
+          </p:nvPr>
+        </p:nvSpPr>
+        <p:spPr/>
+        <p:txBody>
+          <a:bodyPr/>
+          <a:lstStyle/>
+          <a:p>
+            <a:pPr marL="0" lvl="0" indent="0" algn="l" rtl="0">
+              <a:spcBef>
+                <a:spcPts val="0"/>
+              </a:spcBef>
+              <a:spcAft>
+                <a:spcPts val="0"/>
+              </a:spcAft>
+              <a:buNone/>
+            </a:pPr>
+            <a:fld id="{00000000-1234-1234-1234-123412341234}" type="slidenum">
+              <a:rPr lang="en-US" smtClean="0"/>
+              <a:t>7</a:t>
+            </a:fld>
+            <a:endParaRPr lang="en-US"/>
           </a:p>
         </p:txBody>
       </p:sp>
@@ -32448,6 +33865,73 @@
                 <a:srgbClr val="FF0000"/>
               </a:solidFill>
             </a:endParaRPr>
+          </a:p>
+        </p:txBody>
+      </p:sp>
+      <p:sp>
+        <p:nvSpPr>
+          <p:cNvPr id="2" name="Date Placeholder 1">
+            <a:extLst>
+              <a:ext uri="{FF2B5EF4-FFF2-40B4-BE49-F238E27FC236}">
+                <a16:creationId xmlns:a16="http://schemas.microsoft.com/office/drawing/2014/main" id="{9A098283-6E31-BD22-2969-DCF2633E6666}"/>
+              </a:ext>
+            </a:extLst>
+          </p:cNvPr>
+          <p:cNvSpPr>
+            <a:spLocks noGrp="1"/>
+          </p:cNvSpPr>
+          <p:nvPr>
+            <p:ph type="dt" idx="10"/>
+          </p:nvPr>
+        </p:nvSpPr>
+        <p:spPr/>
+        <p:txBody>
+          <a:bodyPr/>
+          <a:lstStyle/>
+          <a:p>
+            <a:fld id="{78285D08-2B10-4ED7-9AC2-B8782939507F}" type="datetime1">
+              <a:rPr lang="en-US" smtClean="0"/>
+              <a:t>10/19/2022</a:t>
+            </a:fld>
+            <a:endParaRPr lang="en-US"/>
+          </a:p>
+        </p:txBody>
+      </p:sp>
+      <p:sp>
+        <p:nvSpPr>
+          <p:cNvPr id="3" name="Slide Number Placeholder 2">
+            <a:extLst>
+              <a:ext uri="{FF2B5EF4-FFF2-40B4-BE49-F238E27FC236}">
+                <a16:creationId xmlns:a16="http://schemas.microsoft.com/office/drawing/2014/main" id="{3FE33ED0-EEB9-5604-418F-40F76CFB4CBD}"/>
+              </a:ext>
+            </a:extLst>
+          </p:cNvPr>
+          <p:cNvSpPr>
+            <a:spLocks noGrp="1"/>
+          </p:cNvSpPr>
+          <p:nvPr>
+            <p:ph type="sldNum" idx="12"/>
+          </p:nvPr>
+        </p:nvSpPr>
+        <p:spPr/>
+        <p:txBody>
+          <a:bodyPr/>
+          <a:lstStyle/>
+          <a:p>
+            <a:pPr marL="0" lvl="0" indent="0" algn="l" rtl="0">
+              <a:spcBef>
+                <a:spcPts val="0"/>
+              </a:spcBef>
+              <a:spcAft>
+                <a:spcPts val="0"/>
+              </a:spcAft>
+              <a:buNone/>
+            </a:pPr>
+            <a:fld id="{00000000-1234-1234-1234-123412341234}" type="slidenum">
+              <a:rPr lang="en-US" smtClean="0"/>
+              <a:t>8</a:t>
+            </a:fld>
+            <a:endParaRPr lang="en-US"/>
           </a:p>
         </p:txBody>
       </p:sp>
@@ -32793,6 +34277,73 @@
               <a:t>=AND(B3=“Fire”,C3&gt;70)</a:t>
             </a:r>
             <a:endParaRPr/>
+          </a:p>
+        </p:txBody>
+      </p:sp>
+      <p:sp>
+        <p:nvSpPr>
+          <p:cNvPr id="2" name="Date Placeholder 1">
+            <a:extLst>
+              <a:ext uri="{FF2B5EF4-FFF2-40B4-BE49-F238E27FC236}">
+                <a16:creationId xmlns:a16="http://schemas.microsoft.com/office/drawing/2014/main" id="{5E8ABA35-5D8B-9AE0-8CEC-1B158B8DA0C6}"/>
+              </a:ext>
+            </a:extLst>
+          </p:cNvPr>
+          <p:cNvSpPr>
+            <a:spLocks noGrp="1"/>
+          </p:cNvSpPr>
+          <p:nvPr>
+            <p:ph type="dt" idx="10"/>
+          </p:nvPr>
+        </p:nvSpPr>
+        <p:spPr/>
+        <p:txBody>
+          <a:bodyPr/>
+          <a:lstStyle/>
+          <a:p>
+            <a:fld id="{B04B2418-3265-4647-836B-A0092EA7A4E9}" type="datetime1">
+              <a:rPr lang="en-US" smtClean="0"/>
+              <a:t>10/19/2022</a:t>
+            </a:fld>
+            <a:endParaRPr lang="en-US"/>
+          </a:p>
+        </p:txBody>
+      </p:sp>
+      <p:sp>
+        <p:nvSpPr>
+          <p:cNvPr id="3" name="Slide Number Placeholder 2">
+            <a:extLst>
+              <a:ext uri="{FF2B5EF4-FFF2-40B4-BE49-F238E27FC236}">
+                <a16:creationId xmlns:a16="http://schemas.microsoft.com/office/drawing/2014/main" id="{0F3A35FE-35E8-7190-1F03-F1DA8A99E6F0}"/>
+              </a:ext>
+            </a:extLst>
+          </p:cNvPr>
+          <p:cNvSpPr>
+            <a:spLocks noGrp="1"/>
+          </p:cNvSpPr>
+          <p:nvPr>
+            <p:ph type="sldNum" idx="12"/>
+          </p:nvPr>
+        </p:nvSpPr>
+        <p:spPr/>
+        <p:txBody>
+          <a:bodyPr/>
+          <a:lstStyle/>
+          <a:p>
+            <a:pPr marL="0" lvl="0" indent="0" algn="l" rtl="0">
+              <a:spcBef>
+                <a:spcPts val="0"/>
+              </a:spcBef>
+              <a:spcAft>
+                <a:spcPts val="0"/>
+              </a:spcAft>
+              <a:buNone/>
+            </a:pPr>
+            <a:fld id="{00000000-1234-1234-1234-123412341234}" type="slidenum">
+              <a:rPr lang="en-US" smtClean="0"/>
+              <a:t>9</a:t>
+            </a:fld>
+            <a:endParaRPr lang="en-US"/>
           </a:p>
         </p:txBody>
       </p:sp>
